--- a/Section02/week1day3.pptx
+++ b/Section02/week1day3.pptx
@@ -172,7 +172,7 @@
           <inkml:channelProperty channel="T" name="resolution" value="1" units="1/dev"/>
         </inkml:channelProperties>
       </inkml:inkSource>
-      <inkml:timestamp xml:id="ts0" timeString="2022-01-14T02:13:06.009"/>
+      <inkml:timestamp xml:id="ts0" timeString="2022-01-14T02:36:26.554"/>
     </inkml:context>
     <inkml:brush xml:id="br0">
       <inkml:brushProperty name="width" value="0.05292" units="cm"/>
@@ -180,238 +180,7 @@
       <inkml:brushProperty name="color" value="#FF0000"/>
     </inkml:brush>
   </inkml:definitions>
-  <inkml:trace contextRef="#ctx0" brushRef="#br0">5432 15553 0,'25'0'47,"0"0"0,0 24-31,-25 1-16,24 0 15,1 0-15,0 49 16,0-24 0,0-50 15,-25-25 0,49-25-15,-24-49-1,25 50-15,-50-1 16,24 25 0,1 25 77,-25-25-77,50-49-16,-25 49 16,-25 0-1,25 0 1,-1 1-1,1 24 1,0-25 0,0 0-16,-25 0 15,49 0 1</inkml:trace>
-  <inkml:trace contextRef="#ctx0" brushRef="#br0" timeOffset="1725.07">9525 15255 0,'0'25'78,"0"-1"-78,25 1 16,49 50 0,1 24-1,-26-25 1,-24-49-1,-25 0 1,25-25 109,-25-25-47,49-24-62,1-26-16,-25 50 15,24-24-15,-24 24 16,50-50 0,-26 1-1,26 24 1,-26-49 0,26-25-1,-26 50 1,-49 24-1</inkml:trace>
-  <inkml:trace contextRef="#ctx0" brushRef="#br0" timeOffset="6212.32">8235 15801 0,'0'-25'188,"-25"25"-79,1 0-93,-26 0-16,0-25 16,1 25-16,24 0 15,0-25 1,0 25 93,0 0-93,1 0-16,-1 0 15,0 25 32,25 0-31,-25 0 0,25-1-16,-25 26 31,25-25-16,-24-25 17,24 25-32,0-1 15,-25 1 1,0 25 0,25-1-1,-25 1 1,25 0 15,0-26-15,0 1-1,0 25 1,0-25 0,0-1-1,0 1 32,0 0-31,0 0-16,0 74 15,0 0 1,25-24 0,-25-26 15,25-24-31,0-25 47,-25 25-32,24-25 1,1 0 0,0 25-1,-25 0 16,25-25-31,0 0 63,-1 0-47,1 0-1,-25-25 1,25 25-1,0 0 17,0 0-17,0 0 1,-1 0 0,1 0-1,0 0-15,0 0 16,24 0-1,-24 0 17,-25-25 15,25 25-16,-25-25-16,0 0 1,25 25 0,0-49-1,-1 24 1,1 0 0,0-24-1,0 24 1,-25 0-1,0 0 1,0 0 0,0 1 15,0-26-15,0 25-16,0-49 15,0 49 16,0 0-15,0 0 0,0 0-1,0 1 17,0-26-17,0 25 1,0 0-1,0 1 1,0-1 0,0 0-1,0 0 17,0 0-1,0 1-16,-25 24 95,25-25-79,-25 25-15,25-25-16,-25 25 15,25-50-15,0 26 32,-24 24-17,-1 0 63,0 0-46</inkml:trace>
-  <inkml:trace contextRef="#ctx0" brushRef="#br0" timeOffset="9619.75">13990 15404 0,'25'0'47,"-1"0"-32,1 25 17,0-1-32,-25 1 15,50 0-15,-26 25 16,26-1 0,-25-49 93,-25-25-109,0 1 16,0-1-16,0 0 31,25 0-16,-1-49 1,26-26 0,0 26-16,24-124 15,1-1 1,24 26 0,-50 73-1,-24 76 16,-25-1-15</inkml:trace>
-  <inkml:trace contextRef="#ctx0" brushRef="#br0" timeOffset="11015.8">16842 15255 0,'25'0'78,"0"0"-78,0 25 15,24-1-15,1 51 16,49-1 0,25 75-1,-25-25 1,-74-74 0,0-50-16,-25-25 93,25 25-77,-25-50-16,25 50 16,-25-24-16,24 24 15,-24-25 16,0 0-15,0 0 0,25-24-1,50-150 1,-1 75-16,25-25 16,-49 50-1,24 0 1,-24 24-1,0 51 1,-50-26 0,24 25-1,1-24 1</inkml:trace>
-  <inkml:trace contextRef="#ctx0" brushRef="#br0" timeOffset="14027.54">16024 15726 0,'-25'0'78,"0"25"-62,-24 0-1,49 0-15,-25-25 16,0 24-1,0 1 1,0 0 0,25 0 15,-24-25-15,24 25-1,-25-25-15,25 24 16,0 1-1,-25 0 1,25 0 0,-25 24-1,25-24-15,0 25 47,0-25-47,0 24 16,0-24-1,0 0 1,0 0 15,25-1-15,-25 1 0,0 0-1,25 0 1,-25 0-1,0 0 1,25-25 0,-25 24-16,24-24 15,1 25 1,0 0 15,25 0-15,-26 0-1,1-25 17,0 0-17,-25 24 1,25-24 0,0 0 15,-1 25-16,1-25 1,25 25 0,-25-25-1,-1 0 17,1 0-17,0-25 32,-25 0-31,25-24-1,-25-1 1,0 25 0,25 1-1,-25-1 1,0 0 15,0 0-31,0 0 16,0 0-1,0 1 1,-25-26 15,0 25-15,25 0-1,0 1 1,0-1 15,-25 25-15,25-25 0,0 0-1,-25 0 1,25-74-1,-24 99-15,-1-49 16,25 24 0,0 0 15,0 0-15,0 0 46,-25 25-15,0 0 156,0 0-47,1 0-31</inkml:trace>
-  <inkml:trace contextRef="#ctx0" brushRef="#br0" timeOffset="38110.97">5308 8706 0,'-25'0'31,"1"0"16,-1 0-47,0 0 31,0 0-15,0 0-1,1-24 1,-1 24 0,-25-25-1,1 25 1,24 0-1,0 0 1,0 25 0,-24 24-1,24-24 1,0 0 0,25 0 15,-25-1 47,0 1-78,0-25 16,25 25-16,0 0 15,-24 24 1,24-24-1,-25-25 1,25 50 0,-25-25 15,25 0 0,-25-25 0,25 24-15,0 1 0,-25-25-1,25 25 1,-49 0 0,24 24-1,0-24 1,0 25-1,25-25 1,0-1 78,-24-24-79,24 25-15,0 0 47,0 0-47,-25 24 16,25-24 0,0 25-1,0-1 1,0-24-1,0 25 1,0-25 15,0-1-15,-25-24-16,25 25 31,0 25-15,0-1-1,0-24 1,0 25 0,0-25-1,0-1 1,25 1 0,0 0-1,-1 0 1,26-25-1,-25 0 1,0 0 0,-1 0-1,1-25 17,25 25-17,-1 0 1,-24 0-1,25 0 1,-25 0-16,0 0 16,-1 0-1,1-25 1,0 25 15,25-25-15,24 1-1,25-1 1,-74 0 0,25 0-1,-26 0 17,-24 1-17,25 24-15,0-25 16,0-50-1,-25 26 1,25 24 0,-25 0-1,0 0 1,0 1 0,0-1-1,0-50 1,0 26-1,0-26 1,0 26 15,0 24-15,0-25 0,0 26-1,0-26 1,0 0-1,0-24 1,24 24 0,-24 1-1,0 24 1,0 0 0,0 0 15,-24 25 78,-1 0-78,25-25 1,-25 25-32,25-24 15,0-1 1,0 0 15,0 0 0,0 0-15,0 1 15,0-1 1</inkml:trace>
-</inkml:ink>
-</file>
-
-<file path=ppt/ink/ink3.xml><?xml version="1.0" encoding="utf-8"?>
-<inkml:ink xmlns:inkml="http://www.w3.org/2003/InkML">
-  <inkml:definitions>
-    <inkml:context xml:id="ctx0">
-      <inkml:inkSource xml:id="inkSrc0">
-        <inkml:traceFormat>
-          <inkml:channel name="X" type="integer" max="3286" units="cm"/>
-          <inkml:channel name="Y" type="integer" min="-313" max="768" units="cm"/>
-          <inkml:channel name="T" type="integer" max="2.14748E9" units="dev"/>
-        </inkml:traceFormat>
-        <inkml:channelProperties>
-          <inkml:channelProperty channel="X" name="resolution" value="95.52325" units="1/cm"/>
-          <inkml:channelProperty channel="Y" name="resolution" value="55.72165" units="1/cm"/>
-          <inkml:channelProperty channel="T" name="resolution" value="1" units="1/dev"/>
-        </inkml:channelProperties>
-      </inkml:inkSource>
-      <inkml:timestamp xml:id="ts0" timeString="2022-01-14T02:20:54.843"/>
-    </inkml:context>
-    <inkml:brush xml:id="br0">
-      <inkml:brushProperty name="width" value="0.05292" units="cm"/>
-      <inkml:brushProperty name="height" value="0.05292" units="cm"/>
-      <inkml:brushProperty name="color" value="#FF0000"/>
-    </inkml:brush>
-  </inkml:definitions>
-  <inkml:trace contextRef="#ctx0" brushRef="#br0">8508 6350 0,'0'-25'15,"25"25"17,-25 25-17,0 0 1,0 24 0,25 75-1,-1-24-15,26-1 16,24 248-1,-24-99 1,0-25 0,-26-99-1,-24-99 1,0-50 46</inkml:trace>
-  <inkml:trace contextRef="#ctx0" brushRef="#br0" timeOffset="1058.43">8458 6772 0,'0'-25'0,"0"0"32,0 0-17,0 0 16,25-74-15,50 0 0,24-75-1,-50 100 1,-24 49 0,-25 0 15,25 25 0,25 0 0,-26 25-15,1 0-16,0 0 16,0 24-1,0-24-15,-1 0 16,26 99-1,-50-74 1,25 49 0,-25-25-1,0 25 1,0-49 0,0 0-1,0-25 1,-25-1 31,0-24-32,0 0 1,1 25 0,-1-25-1,0 0 1,0 0 31,0 0-32,1 0 17,-1 0-17,0 0 1,0 0-16</inkml:trace>
-  <inkml:trace contextRef="#ctx0" brushRef="#br0" timeOffset="2666.69">9376 6300 0,'0'25'32,"0"0"-1,0 0-31,0 49 31,0-49-15,0 25-16,25-1 15,-25 26 1,25-26 0,-25 75-1,0-24 1,0-26-1,0-49 1,0-50 62,0 0-62,0-24-16,0 24 15,-25-25 1,25-24-16,-74-125 16,49 50-1,0 1 1,25 24 0,0 49-1,25 50 16,0 25 48,-1 0-79,1 0 15,25 0 1,24 0-1,-49 0-15,0 0 16,0 0 0,-25 25-1,24-25 1,1 25 15,25-25-15,-25 25-1,-1 0 1,1-25 0</inkml:trace>
-  <inkml:trace contextRef="#ctx0" brushRef="#br0" timeOffset="3001.49">10492 6424 0,'-24'0'62,"24"25"-46</inkml:trace>
-  <inkml:trace contextRef="#ctx0" brushRef="#br0" timeOffset="3685.93">10145 6276 0,'0'-25'15,"0"50"32,0 24-31,0 26-1,0-1-15,0 25 16,0 50 0,25-99-1,0-1 1,0 1 0</inkml:trace>
-  <inkml:trace contextRef="#ctx0" brushRef="#br0" timeOffset="4117.01">10244 5953 0,'0'-25'15</inkml:trace>
-  <inkml:trace contextRef="#ctx0" brushRef="#br0" timeOffset="5470.8">10468 6300 0,'0'25'78,"0"0"-78,0 0 16,24 49-16,-24 1 15,25-26-15,0 125 32,25 49-17,-1-49 1,-24-75-1,-25-49 1,0-75 47,0 0-48,0-74-15,0 49 16,0 25-16,0-49 15,0 24 1,0-49 0,0 25-1,0-26 17,0-48-17,0 48 1,0 26-1,0 49-15,0 0 32,0 50 61,50-25-93,-50 50 16,49-25-16,-24 24 16,25 1-16,24 49 15,0 25 17,-49-50-17,0-49 1,0 0-1,0 0 1,-25 0 31,0 0-31,0-1-1,0 1-15,24-25 16,-24 25-1,0 0 17,25 0-17,-25-1 1</inkml:trace>
-  <inkml:trace contextRef="#ctx0" brushRef="#br0" timeOffset="6133.22">11311 5755 0,'0'24'31,"0"51"-15,0 24-16,0 75 31,25-75-15,0-49 0,-25-1-1,24 1 1,-24-25-16,75 74 15,-50 124 1,24-99 0,-49-74-1,0-25 1</inkml:trace>
-  <inkml:trace contextRef="#ctx0" brushRef="#br0" timeOffset="7018.69">11286 6548 0,'0'-24'16,"0"-1"-1,25 0 126,0 25-141,0 0 16,-1 0-16,1 0 15,0-25 1,0 25-1,0 0 1,24 0 0,-24-25-1,25 25 1,-26 0 15,1 0-15,0 0 15,0 0-15,0 0-1,-25 25 63,-25-25-62,25 25-16,-25-25 16</inkml:trace>
-  <inkml:trace contextRef="#ctx0" brushRef="#br0" timeOffset="8223.51">12402 5631 0,'0'24'125,"-49"26"-110,-1 0-15,1-26 16,-1 51-16,25-50 15,-25 49 1,1 25 0,24-49-1,0 0 1,0 24 0,1-24-1,24 24 16,0 25-15,0 25 0,0-25-1,0 1 1,0 73 0,24-49-1,-24-24-15,75 48 16,-50-48-1,49 24 1,-24-75 0,-25-24-1,24 0 1,-24 0 0,0-25-1,0 0 63</inkml:trace>
-  <inkml:trace contextRef="#ctx0" brushRef="#br0" timeOffset="9104.57">12303 6424 0,'25'25'63,"0"-25"-47,0 25-16,-1 25 15,1-50-15,50 99 31,49 50-15,-50-50 0,0 25-1,-24-74 1,-50-26 0,25-24-1,0 25 1,-1 0-1,1-25-15,0 25 32</inkml:trace>
-  <inkml:trace contextRef="#ctx0" brushRef="#br0" timeOffset="9883.48">12849 6424 0,'-25'0'94,"0"0"-78,0 50-16,-24 0 15,-1-1 1,1 1-16,-75 74 15,74-50 1,50-49 0,-25-25-1,25 25 1,0 0 15,-25 0-15,1-1-1,24 1 1,0 0 15,-25 25-15,25-26 0</inkml:trace>
-  <inkml:trace contextRef="#ctx0" brushRef="#br0" timeOffset="11061.96">13047 5779 0,'0'-24'47,"25"48"47,0 1-94,24 25 16,1 24-16,0 1 15,-1-1-15,51 75 32,-26 25-17,0 24 1,-24 0-1,-50-73 1,0-76 0,0 1-1,0-25-15,0-1 16,0 1 0,-25 25-1,25-25 1,-49 49-1,-1 25 1,0-24 15,-24-26-15,49 1 0,-24-1-1,24-24 1,0 0-1,0 0 1,0-25 0</inkml:trace>
-</inkml:ink>
-</file>
-
-<file path=ppt/ink/ink4.xml><?xml version="1.0" encoding="utf-8"?>
-<inkml:ink xmlns:inkml="http://www.w3.org/2003/InkML">
-  <inkml:definitions>
-    <inkml:context xml:id="ctx0">
-      <inkml:inkSource xml:id="inkSrc0">
-        <inkml:traceFormat>
-          <inkml:channel name="X" type="integer" max="3286" units="cm"/>
-          <inkml:channel name="Y" type="integer" min="-313" max="768" units="cm"/>
-          <inkml:channel name="T" type="integer" max="2.14748E9" units="dev"/>
-        </inkml:traceFormat>
-        <inkml:channelProperties>
-          <inkml:channelProperty channel="X" name="resolution" value="95.52325" units="1/cm"/>
-          <inkml:channelProperty channel="Y" name="resolution" value="55.72165" units="1/cm"/>
-          <inkml:channelProperty channel="T" name="resolution" value="1" units="1/dev"/>
-        </inkml:channelProperties>
-      </inkml:inkSource>
-      <inkml:timestamp xml:id="ts0" timeString="2022-01-14T02:23:33.857"/>
-    </inkml:context>
-    <inkml:brush xml:id="br0">
-      <inkml:brushProperty name="width" value="0.05292" units="cm"/>
-      <inkml:brushProperty name="height" value="0.05292" units="cm"/>
-      <inkml:brushProperty name="color" value="#FF0000"/>
-    </inkml:brush>
-  </inkml:definitions>
-  <inkml:trace contextRef="#ctx0" brushRef="#br0">19372 5283 0,'0'25'94,"0"0"-79,0 0 1,0 0-16,0-1 15,0 1 1,0 50 0,0-26-1,0 1-15,0 49 16,0-49 0,0 24-1,0-24 16,0-1-15,0 1 0,0 0-1,0-26 1,-24 51 0,24-1-1,-75 125 1,75-125-1,-74 100 1,74-75 0,0 25-1,0-25 1,0-49 0,0-1 15,0 26-16,0-50 1,0 24 0,0 1-1,0 24 1,0-24 0,0-1-1,0-24-15,25 0 16,-25 0-16,0 24 15,0 1 17,24-25-17,1 24 1,-25-24 0,25 25-1,0 24 16,-25-24-15,0-25 0,0-1-1,0 26 1,25-50 15,-25 25-31,0 0 31,0 24-15,0-24-16,24 25 16,1-25-1,50 49 1,-26-24 0,-24-26-1,0 26 16,25-25-15,-1 24 0,50 1-1,1-50 1,-51 25 0,-24-25-16,0 0 31,0 0-16,-1-25 1,51 25 0,-26-25-1,26 25 1,-26 0 0,-24 0 15,25 0-16,-1 0 1,-24 0 0,0 0-1,0 0 1,0 0 0,-1 0-1,-24-25 1,50 25-1,0-24 1,24 24 0,-24 0-1,-25 0 1,-1 0 0,1 0 15,-25-25-16,25 25 1,25-25 0,-1-25-1,26 26 1,-26-1 0,-24 0-1,0 0 48,-25 0-63,25 1 15,-1-76 1,-24 26 15,0 49-15,0-25-1,0 26 1,0-26 0,0-24-1,0 49 1,25-50 0,-25-24-1,0 50-15,0-1 16,0-24-1,25 24 1,0 0 0,0 1-1,-25-26 1,0 26 15,0-50-15,0 74-1,0-50 1,24-24 0,-24 74-1,0-99 1,0 25 0,0-25-1,0 25 1,0 24-1,0-24 1,0 25 0,0 24-1,-24 1 32,-1 24-31,25 0-1,0-25 1,-25 26-16,25-51 31,0 50-15,0-24 0,0 24-1,0-25 1,0 25-1,25-74 1,-25 50 0,0-51-1,0 51 1,0 24 15,0 0-15,0-24-1,0 24 1,25-25 0,-25 25-1,0-24 1,0 24 0,-25 25 77,-25 25-93,25-25 16,1 25-16,-1-25 16,-25 0-1,1 0 1,-26-25-1,26-25 1,24 50-16,-25 0 16,25-25-1,-99 25 1,0-24 0,-74-1-1,-50-25 1,99 25-1,99 25 1,26 0 15,-1 0-15,0 0 0,-49 0-1,49-24 1,-50 24-1,51 0 1,-26 0 0,0 0-1,-24 24 1,24 26 0,1-50-1,24 25 1,50-25 124,-1 25-124,1-25 0,0 24-1,0-24 1,-25 25 0,0 0 109,0 0-110,0 0-15,-25-1 16,25 1-1,0 0 1,-25-25 0,25 25-1,-25 24 1,25-24 0,0 0 46,0 0 1,0 0-48,0-1-15,-24-24 16,24 25 156</inkml:trace>
-  <inkml:trace contextRef="#ctx0" brushRef="#br0" timeOffset="2548.48">14908 5135 0,'0'24'62,"-50"1"-62,-74 74 16,0-24-16,25-1 15,0-49 1,49 25-16,-49-1 16,74 1-1,-50-25 1,1 24-1,0 1 1,24-1 0,0-24-1,26 0 1,-1 0 0,-25 0-1,1 0 16,24-1-15,0-24 0,25 25-1,0-50 17,25 1-17,-25-1 1,25 0-1,-1-25 1,-24 1 0,0-1-1,0 0 1,25-24 0,0-50-1,0-25 1,-25 124 15,25 1-31,-25-1 16,0 0-1,0 75 63,0-1-78,-25 75 16,0-49 0,0 49-16,-24-25 15,49-74 1,0 49 0,24-24-1,-24 24 1,0 1-1,0-51 17,0 1-17,0 0 1,0 0 0,0 0-1,0 24 1,0 26-1,0 24 1,0-50 0,25-73 46,25-1-46,24-25-16,1 25 15,-1 1 1,-24 24-16,-1 0 16,1 0-1,24 0 1,-49 0 0,25 0-1,-25 0 1,24 0-1,1 0 1,-25-25 0,-1 25-1,26 0 1</inkml:trace>
-</inkml:ink>
-</file>
-
-<file path=ppt/ink/ink5.xml><?xml version="1.0" encoding="utf-8"?>
-<inkml:ink xmlns:inkml="http://www.w3.org/2003/InkML">
-  <inkml:definitions>
-    <inkml:context xml:id="ctx0">
-      <inkml:inkSource xml:id="inkSrc0">
-        <inkml:traceFormat>
-          <inkml:channel name="X" type="integer" max="3286" units="cm"/>
-          <inkml:channel name="Y" type="integer" min="-313" max="768" units="cm"/>
-          <inkml:channel name="T" type="integer" max="2.14748E9" units="dev"/>
-        </inkml:traceFormat>
-        <inkml:channelProperties>
-          <inkml:channelProperty channel="X" name="resolution" value="95.52325" units="1/cm"/>
-          <inkml:channelProperty channel="Y" name="resolution" value="55.72165" units="1/cm"/>
-          <inkml:channelProperty channel="T" name="resolution" value="1" units="1/dev"/>
-        </inkml:channelProperties>
-      </inkml:inkSource>
-      <inkml:timestamp xml:id="ts0" timeString="2022-01-14T02:27:40.745"/>
-    </inkml:context>
-    <inkml:brush xml:id="br0">
-      <inkml:brushProperty name="width" value="0.05292" units="cm"/>
-      <inkml:brushProperty name="height" value="0.05292" units="cm"/>
-      <inkml:brushProperty name="color" value="#FF0000"/>
-    </inkml:brush>
-  </inkml:definitions>
-  <inkml:trace contextRef="#ctx0" brushRef="#br0">16049 3373 0,'0'25'141,"-25"0"-125,-50 0-16,51 0 15,-26-1-15,-74 26 16,74-25 0,1 0-16,-50 24 15,24-24 1,1 25-1,24-25 1,-24-1 15,-26 51-15,-24-50 0,25 24-1,0-24 1,-25 49-1,99-49 17,-49 0-17,74 0 1,-25-25 0,0 25-1,0-25 1,1 24 15,24 1-31,0-50 172,0 1-156,24-51-1,-24 1-15,25-1 16,0-24-1,-25 74 1,0 1 0,0-1 15,25 0-15,0 25-1,-25-25 1,24 0-1,1-49 1,0 74 0,-25-25-16,25 0 15,-25 0 1,25 1 0,-25-1-1,0 50 126,0-1-126,0 26 1,0-25-16,0 24 16,0-24-1,-25 25 1,0 0 0,25-26-1,-25 1 16,25 0-31,-25 49 16,1-49 15,24 0-15,-25 25 0,0 24-1,0-49 1,25 0-1,0-1 1,-25-24-16,25 25 31,-24-25-15,24 25 15,0 0 32,24-25 15,-24-25-78,25 25 15,0 0-15,-25-25 16,25 25 0,0 0-16,24 0 15,-24 0 1,49 25 0,26 0-1,-51 0 1,-24-1 15,0-24-15,0 0-1,-1 0 1,1 0 0,0 0 15,0 0-16,0 0 1,-1 0 0,1 0-1</inkml:trace>
-  <inkml:trace contextRef="#ctx0" brushRef="#br0" timeOffset="10223.92">9426 6474 0,'25'0'406,"-25"-25"-374,24 25 77,1 0 110,0 0-79,0 0-93,0 0 141,-1 0-79,1 0-78,0 0 1,-50 0 546,25 25-563,-25-25 1,1 0 47,-1 0 77,0 0-15,0 25-78,0-25-16,1 0 32,-1 0-16,0 0 31,0 0-31,50 0 234,0-25-234,0 25-16,-1 0 78,1 0-15,-25-25-63,25 25 1</inkml:trace>
-  <inkml:trace contextRef="#ctx0" brushRef="#br0" timeOffset="49203.46">6102 7516 0,'50'0'62,"-26"0"-46,76 0-16,48 25 15,76-1-15,222 1 16,-297-25 0,99 50-1,25-25 1,-50 24 0,-74 1-16,99-1 15,248 1 1,-74-50-1,-1 25 1,-24 24 15,-74-49-15,-50 0 0,-50 0-1,-25-74 1,-98-75-1,-76 25 1,-24-25 0,0 25-1,0 100 1,0-1-16,25-25 16,74 25-1,50-24 1,50-50-1,-150-75 1,-24 0 15,-25 50-15,-50-49 0,26 148-1,-1 0 1,0 0-1,0 25 17,0-49-32,-24 49 15,-26-50-15,-173-74 16,0-25 0,-25 25-1,1 25 1,-26 24-1,149 1 17,75 49-17,49 0 1,-25 25 0,-49-24-1,-174-1 1,149 25-1,-322 0 1,272 0 0,100 0-1,-1 0-15,-49 25 16,-74 49 0,49-24-1,-74 24 1,74-24 15,-74-26-15,-50-24-1,-99 0 1,248 0 0,-248 0-1,-25 0 1,149 50-1,24 25 1,100-26 0,25 1-1,50-25 1,-1-1 0,0 1-1,50 0 1,-24 0 15,24 24-15,0 1-1,-25 74 1,25-25 0,49 25-1,26 0 1,123 25-1,-99-74 1,25-1 0,0 0-1,1 1 1,-26-50 0,-50 24-1,1-24 16,-25-25-31,0 25 16,24 24 0,26 26-1,-51-50 1,1-1 0</inkml:trace>
-  <inkml:trace contextRef="#ctx0" brushRef="#br0" timeOffset="53469.14">25450 8285 0,'-25'0'125,"-25"0"-109,-49 0-16,-50 0 15,0 0-15,-124 0 16,1 0 0,123 25-1,25-1 1,49 1 15,-73 0-31,-76 0 31,-24 0-15,0 24 0,25-24-1,173-25 1,-49 25 0,-25 0-1,50-25-15,-199 0 16,0 0-1,99 24 1,50-24 0,75 25-1,-1 0 1,25 0 31,25 0-32,0-1 17,0 1-17,0 25 1,25 49 0,-25-49-16,0 49 15,25 50 1,0 0-1,0-1 1,-1-24 0,1-24-1,-25-26 17,0-24-17,25-26 1,-25 1-1,25-25 1,-25 25 0,0 0-1,25 0 1,-1-1 0,1-24-1,74 50 1,298-25-1,75 25 1,-1-26 0,75 76 15,-50-51-15,-199-24-1,-49-25 1,-49 0-1,24 0 1,-74 0 0,-25 0-1,49 0 1,1 0 0,99 0-1,-25 0 1,25 25-1,-100-25 1,-48 0 0,-1 0-1,0-25 17,99 0-17,-149 0 1,50 1-1,273-1 1,-149 25 0,-99 0-1,-50 0 1,-24 0 0,-26-25-1,-24 0 1,49 0-1,-24 1 1,-25-1 15,0 0-31,-25 0 47,0-25-31,-25-123-1,25 123 1,0-24-16,0-25 16,0 24-1,0-24 1,0-25 0,0 25-1,0 0 1,0-26-1,0 51 1,0 0 0,0-1-1,0 50 17,-25-24-17,0 49 1,25-50-1,-25 1 17,1 24-17,24-25 1,-25 25 0,-25-49-1,25 24 1,-24 1-1,24-26 1,-25 51 0,50-1 15,-24 25 16,-1 0-16,0 0-31,-25 0 16,-198 0-1,-74 74 1,-1-24 0,51-1-1,48 26 1,51-50-1,24-1 1,-50-24 15,51 25-31,-125-25 16,50 0 0,123 0-1,-148 0 1,174 0-1,-25 0 1,-1 0 0,1 0-1,-74 0 1,-26-25 0,75 1-1,74 24 1,1 0-1,49-25 32</inkml:trace>
-  <inkml:trace contextRef="#ctx0" brushRef="#br0" timeOffset="107088.58">372 13370 0,'0'-25'94,"25"25"-48,24 0-30,26 0-16,-25 0 16,74 0-1,49 0 1,1 0 0,-25 0-1,-50-25 1,-74 25-1,24 0 1,-24 0 0,0 0 15,0 0-15,-1 0-1,76 0 1,24 0-1,0 0 1,0 0 0,49 0-1,-49 0 1,25 0 0,-50 0-16,1 0 31,123 0-16,-173 0 1,49 0 0,0 0-1,-49 0 1,74 0 0,0 0-1,49 0 1,1 0-1,124 0 1,-26 0 0,26 0-1,-199 0 1,-49 0 0,148 0 15,100-25-16,-25 1 1,-25-1 0,-50 0-1,-49 0 1,-25 25 0,-25 0-1,50 0 1,74 50-1,26-25 1,-1-1 0,223-24-1,-298 0 1,224 25 0,-248 0 15,124-25-16,-75 0 1,-24 0 0,-25 0-1,-75 0 1,75 0 0,-74 0-1,73 0 1,76 0-1,-150 0 1,25 0 0,75 0-1,-50 0 1,0 0 15,0 0-15,74 0-1,125 0 1,-75 0 0,0 25-1,-74-25 1,-26 0 0,-73 0-1,24 0 1,0 0-1,100 0 17,24 0-32,0 0 15,-24 0 17,49 0-17,25 0 1,99 49-1,-149-49 1,-74 0 0,-25 0-1,-75 0 1,51 0 0,-76 0-1,125 0 1,-99 0-1,148 0 1,-99 0 0,-24 0-1,-26 0 17,1 0-17,0 0 1,-26 0-1,26-24 1,25 24 0,-51 0-1,26 0 1,-25-25 0,24 25-1,-24 0 16,-25-25-15,25 25 0,0 0 31</inkml:trace>
-  <inkml:trace contextRef="#ctx0" brushRef="#br0" timeOffset="112746.37">446 14957 0,'25'0'140,"0"0"-124,25 0-16,49 0 16,50 0-16,248 0 15,-125 0 17,-172 0-32,-1 0 0,50 0 31,-75 0-16,-24 0 1,-1 0 0,1 0-1,49 0 1,-49 0 0,74 0-1,25 0 1,-1 0-1,-98 0 1,0 0 0,-1 0-1,1 0 1,24 0 15,50 0-31,124 25 31,25-25-15,0 0 0,-174-25-1,1 0 1,-51 25 0,50 0-1,1-24 1,73 24-1,373 24 1,-273-24 0,-174 0-1,-25 0 1,-24 0 15,24 0 0,75 0-15,99 0 0,-24 0-1,-51-24 1,-24-1 0,-75 0-1,-24 0 1,49 25-1,0 0-15,100 0 16,-50 0 0,0 0-1,74 0 17,-25 0-17,50 0 1,25 0-1,-74-25 1,-75-24 0,-100 49-1,26-25 1,0 25 15,-1 0-15,1 0-16,-1 0 15,100 0 1,-99 0 0</inkml:trace>
-  <inkml:trace contextRef="#ctx0" brushRef="#br0" timeOffset="171075.08">9004 14163 0,'25'-24'93,"0"24"-93,0 0 32,24 0-32,26 0 15,-1 0 1,0 0-16,50 0 15,-24 0 1,-26 0 0,-49 0 15</inkml:trace>
-  <inkml:trace contextRef="#ctx0" brushRef="#br0" timeOffset="171892.58">9178 14536 0,'25'0'94,"-1"0"-78,51 0-16,24 0 15,25 0-15,50 0 16,148 0 0,-148 0-1,-125 0 1,1 0 0,-25 0 15</inkml:trace>
-  <inkml:trace contextRef="#ctx0" brushRef="#br0" timeOffset="172547.29">9897 15156 0,'0'24'63,"0"26"-63,0 24 15,0-24-15,25 25 16,-25-1-16,0 0 15,0 75 1,0-99-16,0 74 16,0-25-1,0-49 1,0-26 0</inkml:trace>
-  <inkml:trace contextRef="#ctx0" brushRef="#br0" timeOffset="173777.54">9327 15453 0,'0'0'15,"0"-24"-15,24-1 16,1-25 0,74-49-1,-24 74-15,-1-25 16,273-24 0,-222 24-1,-51 50 1,25 0-1,-74 0 1,49 25 0,-49 0 15,50 25-31,-51 24 16,1-24 15,-25-1-16,0 1 1,0 0 0,-25-50-1,-74 49 1,-74-24 0,123 0-1,25 0 1,25-1 124,50 1-108,74 50-32,25-1 15,-50-24-15,-25-26 16,25 51 0,-74-75-1,-25 25 32,0-1-31,-25-24-16,-49 50 15,-100 49 1,-49-49 0,-25 24 15,174-49-16,-50-25 1,49 25 0,50-25-1,1 0 1,-1-25 15,25 0-31,0 50 78,25 0-62,-1 49-16</inkml:trace>
-  <inkml:trace contextRef="#ctx0" brushRef="#br0" timeOffset="174982.67">11212 15503 0,'0'25'125,"0"0"-110,0-1-15,-25 1 16,0 25-16,-25-25 16,26 24-1,-1 50 1,25-74-16,0 50 15,0-26 1,0-24 0,25 49-1,-1 1 1,26-26 0,-25-49-1,25 25 1,-26-25-1,26 0 1,0 0 0,-1 0 15,-24 0-15,25-49-1,-50-26 1,0 26-1,0-51 1,-50 26 0,0-25-1,26 49 1,-1 25 0,25 1-1,0-1 1,0 0-1</inkml:trace>
-  <inkml:trace contextRef="#ctx0" brushRef="#br0" timeOffset="176217.72">12105 15577 0,'-25'0'94,"0"0"-78,-25 0-1,-123 0 1,74 50 0,74-25-1,-25 49 1,25 25 0,25-49-1,25-25 1,-25 0-1,25-1 1,-25 1 15,25 0-15,0 0 0,-1 24-1,26-24 1,-25 25-1,24-50 1,1 25 0,24 24-1,-24-49 1,-25 0 0,0 0-1,-1 0 32,1-25-47,0-24 16,0-1 15,0 25-15,-25-49-1,0 24 1,0 26-1,0-1-15,0 0 16,0 0 0,0 0-1,-25-24 1,25 24 0,-50 25-1,50-25 1</inkml:trace>
-  <inkml:trace contextRef="#ctx0" brushRef="#br0" timeOffset="176993.4">12675 14957 0,'0'-25'16,"0"50"46,0 25-62,25-25 16,-25 24-16,0-24 16,0 25-16,0-1 15,0 1-15,0 24 16,0 1-1,0-26 17,0 26-17,0-1 1,0-24 0,0 49-1,0-25 1,0-24-1,25 0 1,-25-26 0,0 26-1,0-25 1,0 49 0,0-49-1,0 0 1</inkml:trace>
-  <inkml:trace contextRef="#ctx0" brushRef="#br0" timeOffset="178040.4">12849 15974 0,'25'0'15,"-25"-25"16,24 25 1,-24-24-17,25 24 1,0-25 0,25-25-1,24-24 1,-24 24-1,-1 1 1,-49 24 0,25 0-16,-25 0 15,0 0 1,-25 25 125,25 25-141,-25 0 15,1-25 1,-1 0-1,25 25 1,-25-25 0,25 25 15,-25-1-15,0 26-1,25 0 1,-24-1-1,24-24 17,0 0-17,0 0 1,0-1 0,0 1 15,24 0-31,1-25 15,0 50-15,25-26 16,24 26 0,-24-25-1,-25 0 1,-1-25 0,1 0 30,-25-25-14</inkml:trace>
-  <inkml:trace contextRef="#ctx0" brushRef="#br0" timeOffset="179240.43">13915 15751 0,'-24'-25'15,"-1"25"1,0-49-16,0-1 16,0 0-1,1 1 1,24 24 15,-25 0-15,0 25 15,0 0-15,-24 0-1,24 50-15,-50-1 16,26 1-1,24-25 1,0 24 15,25-24-31,-25 25 16,25-25 0,0 49 15,0-49-16,0 0 1,25 24 0,0-49-1,25 0 1,-26 0 15,1 0 0,-25-25-15,25 25-16,0 0 31,24 0-15,-24 0-16,50-49 16,-26-26-1,1-24 16,-25 50-15,-25 24 0,0 0-1,0 50 48,0 24-48,24 26-15,1-26 16,0 51 0,25-26-1,-50-24 1,24-26 0</inkml:trace>
-  <inkml:trace contextRef="#ctx0" brushRef="#br0" timeOffset="181088.49">14263 15528 0,'24'0'109,"1"25"-78,-25 24-31,25 1 16,-25-1-16,25 1 16,-25 74-1,0-74 1,25-1-1,-25-74 235,0-24-234,0 24-16,0-25 16,0 1-16,0-1 15,0 25 1,0 1 0,0-1 15,0 0-16,0 0 1,0 0 0,25 1 15,-1-1-31,1 0 16,0 0-1,0 0 1,0 1-1,-1 24-15,26-25 16,-25 0 0,0 0-1,-1 25 17,1 0-1,25 0-16,-25 0 1,-1 25 0,1-25-1,0 0 1,-25 25 0,25-25-1,-25 25-15,25 24 16,24 1-1,-24-1 1,0 26 0,-25-50-1,25 24 1,-1-24 15,-24 0-15,0 0-1,25-1 1,-25 1 0,25 50-1,0-26 1,0 26 0,-1-51-1,-24 1 16,25-25 48</inkml:trace>
-  <inkml:trace contextRef="#ctx0" brushRef="#br0" timeOffset="184555.35">9897 16644 0,'25'0'93,"24"0"-77,175 0-16,-1 0 16,0 0-16,25 0 15,100 0 1,-76 0 0,-172-25-1,24 25 1,-50 0-1,224 0 17,-25 0-32,99 0 15,74 0 1,1 25 0,-51 0-1,-247-25 1,-74-25-1,-51 25 1,26-25 0,0 0-1,148 25 1,-123 0 0,73 0-1,-73 0 1,-1 0 15,-24 0-15,74 0-1,-75-24 1,1 24 0</inkml:trace>
-  <inkml:trace contextRef="#ctx0" brushRef="#br0" timeOffset="203720.47">17239 13444 0,'25'0'32,"0"0"-17,-25 25-15,0 0 16,25 0 0,-25 99-1,24-50 1,-24 75-1,0 24 17,0-49-32,0-24 15,0 24 1,0 25 0,0-75-1,0 0 1,-24 1-1,-1 74 1,0-25 0,25-25-1,0 0 1,0 0 0,0-24-1,0-1 1,25 1 15,0 24-15,-1 25-1,1-25 1,0 25 0,-25-25-1,0 100 1,0-75-1,0-75 1,0 1 0,0 0-1,0-1 1,0-24 0,25 25-1,0 74 1,24-25 15,-24-25-15,50 75-1,-51-75 1,1-49 0,0 25-1,25 24 1,-1-24-1,26-1 1,-1 26 0,100 24-1,49 0 1,-74 1 0,-75-76-1,25 26 16,-49-25-31,0-25 32,-1 49-17,174 26 1,1-26 0,24 1-1,25-25 1,-75 0-1,-74-25 1,-50 0 0,-24 0-1,24 0 1,26 24 15,24-24-31,124 0 16,25 0 15,-1 0-15,100-24-1,-198-1 1,-50 0 0,-49 0-1,-26 25 1,26 0-1,49 0 1,-25 0 0,50 0-1,24 25 1,1-25 0,-50 0 15,25 0-16,124 0 1,-199 0 0,149 0-1,-49 0 1,99 0 0,-75 0-1,75 0 1,25 0-1,49 0 1,-99 0 0,-25 0-1,-49 50 1,0-50 0,-26 0 15,1 0-16,198 0 1,-24 0 0,-25 0-1,-50 0 1,-124 0 0,0 0-1,-25-25 1,0 0-1,25 0 1,25 25 0,25 0-1,-100 0 1,25 0 0,25 0-1,99 0 16,-148 0-15,223 0 0,-224 0-1,25-25 1,0 25 0,-24 0-1,74 0 1,99 0-1,-75 25 1,1-25 0,-50 0-1,0 0 1,0 0 0,25 0 15,-75 0-16,125 0 1,-50 0 0,49 0-1,-24 0 1,-26 0 0,-48 0-1,-51 0 1,-74 0 124</inkml:trace>
-  <inkml:trace contextRef="#ctx0" brushRef="#br0" timeOffset="207084.35">17264 13543 0,'0'-24'47,"0"-1"0,0-25-31,0-24-16,50-25 15,-26-1-15,26 26 16,24-50-1,-49 74-15,50-49 16,-26 49 0,26 1-1,24 24 1,-49 0 0,49 0-1,50 25 1,123 0-1,-48 25 1,24 25 0,49-25-1,150 24 17,-348-24-17,124-25 1,-123 25-16,247 0 15,-25-1 1,26 26 0,48-50-1,-23 0 1,-150 0 0,-25 0-1,1 0 1,-1 0-1,-49 0 1,25 0 0,173 0-1,-198 25 17,272 0-17,-148-25 1,0 0-1,25 0 1,-100 0 0,1 0-1,49 0 1,-100 0 0,-98 0-1,49 0 1,-24 0-1,-1 0 1,50 0 0,124 0 15,124 0-15,-99 0-1,0 0 1,-75 0-1,373-25 1,-373 25 0,75 0-1,-50 0 1,1-50 0,-100 25-1,-25 25 1,-25 0-1,75 0 1,25 0 15,99 0-15,-100 0 0,26-24-1,-75-1 1,0 0-1,-25 0 1,0 25 0,0 0-1,75 0 1,24 0 0,75 25-1,-74 0 1,-150-25-1,-24 0 1,0 0 156,0 0-156,0 0-16,-1 0 15,51 0-15,-26 0 16,1 0-16,0 0 15,148 0 1,-24 0 0,-100 0 15,-24 0-15,-25 0-1,-1 0 1,100 0-1,50 0 1,24 0 0,-49 0-1,-99-25 1,-25 25 0,-1 0-1</inkml:trace>
-</inkml:ink>
-</file>
-
-<file path=ppt/ink/ink6.xml><?xml version="1.0" encoding="utf-8"?>
-<inkml:ink xmlns:inkml="http://www.w3.org/2003/InkML">
-  <inkml:definitions>
-    <inkml:context xml:id="ctx0">
-      <inkml:inkSource xml:id="inkSrc0">
-        <inkml:traceFormat>
-          <inkml:channel name="X" type="integer" max="3286" units="cm"/>
-          <inkml:channel name="Y" type="integer" min="-313" max="768" units="cm"/>
-          <inkml:channel name="T" type="integer" max="2.14748E9" units="dev"/>
-        </inkml:traceFormat>
-        <inkml:channelProperties>
-          <inkml:channelProperty channel="X" name="resolution" value="95.52325" units="1/cm"/>
-          <inkml:channelProperty channel="Y" name="resolution" value="55.72165" units="1/cm"/>
-          <inkml:channelProperty channel="T" name="resolution" value="1" units="1/dev"/>
-        </inkml:channelProperties>
-      </inkml:inkSource>
-      <inkml:timestamp xml:id="ts0" timeString="2022-01-14T02:35:35.349"/>
-    </inkml:context>
-    <inkml:brush xml:id="br0">
-      <inkml:brushProperty name="width" value="0.05292" units="cm"/>
-      <inkml:brushProperty name="height" value="0.05292" units="cm"/>
-      <inkml:brushProperty name="color" value="#FF0000"/>
-    </inkml:brush>
-  </inkml:definitions>
-  <inkml:trace contextRef="#ctx0" brushRef="#br0">3870 3547 0,'-25'0'78,"25"25"-63,-50-25-15,50 25 16,-25-1 0,-24 26-1,49-25 1,-25 0 0,25 0 62,0-1-47,25 1-15,0 0-1,-25 0-15,24-25 16,1 25-16,0-25 31,0 0-15,0 0-1,-1 0 1,1 0 0,0 0 15,0 0 16,0 0-16,-25-25 63,0 0-79,0 0 1,0 0 0,0 1-1,0-1 16,0 0-15,0 0 31,0 0 0,-25 25-32,25-25 1,0 1 31,-25 24-31,0 0 30,25-25-30,-25 0 15,25 0 16,-24 25-31</inkml:trace>
-  <inkml:trace contextRef="#ctx0" brushRef="#br0" timeOffset="1148.04">4539 3547 0,'0'50'62,"25"-26"-46,-25 1-16,25 0 16,-25 25-16,0-1 15,25 26 1,-25 24 0,24-49-1,-24-1 1</inkml:trace>
-  <inkml:trace contextRef="#ctx0" brushRef="#br0" timeOffset="3451.79">4837 3448 0,'25'0'125,"0"0"-125,-1 0 15,26 0 1,-25 0 0,24 0-1,1 0-15,-25 0 16,0-25 15,-25 50 16,-25 0-31,25-1-16,0 1 15,-25-25 1,25 25 46,-25 0-46,0 0 0,1-1-1,24 1 1,-25 0-1,25 0 1,0 0 156,-25-25-172,0 25 16,25-1-1,0 1 32,-25-25-31,25 25 15,-24-25-15,48 0 124,1-25-124,0 25-1,-25-25 1,25 25 0,0 0 15,-1 0 0,1 0-31,0 25 31,0-25 16,-25 25-31</inkml:trace>
-  <inkml:trace contextRef="#ctx0" brushRef="#br0" timeOffset="6125.08">5308 3497 0,'0'-24'63,"25"24"-32,0 0 0,0 0 0,-1 0 1,1 0-32,0 0 15,0 24 17,-25 1-17,0 0 16,0 0-31,0 0 32,0-1 15,-25-24-16,0 0 0,0 0 0,50 0 157,0 0-157,-25 25-31,25-25 31,-25 25 47,0 0-46,0 0-17,0 0 17,0-1-1,-25-24 47,25 25-47,-25-25-31,0 0 16,1 0 15,-1 0-15,0 0 15,0 0-15,0 0 15,1 0 0</inkml:trace>
-  <inkml:trace contextRef="#ctx0" brushRef="#br0" timeOffset="7310.84">5804 3522 0,'-25'25'78,"25"0"-47,-24 24-15,24-24-1,-25 25 1,25-25-16,0 0 16,0-1 93,25-48 0,-1 24-93,26 0 0,-25 0-1,0 24 1,0-24 0,-1 0 15</inkml:trace>
-  <inkml:trace contextRef="#ctx0" brushRef="#br0" timeOffset="8369.99">5928 3572 0,'0'25'62,"0"-1"-46,0 1 15,0 0-15,0 0 15,0 25-15,0-26-1,0 26-15,0-25 16,0 0 0,0-1-1,0 1 1,0 0-1,0 0 32,-24-25-15,24 25-17,0-1 32</inkml:trace>
-  <inkml:trace contextRef="#ctx0" brushRef="#br0" timeOffset="11933.61">6176 3646 0,'0'25'78,"0"0"-62,0 0-16,0 0 15,0 24-15,0-24 16,0 25 0,0-26-1,0-48 110,25 24-109,0-25 15,0 25-15,-25-25-16,25 25 15,-25-25 1,24 25 0,1 0 30,0 0-30,0 25-16,-25 0 16,25 0-1,-25-1 17,24-24-32,-24 25 62,0 0-46,-24-25-1,24 25 1,-25 0 0,0-25-1,25 24 1,-25-24-16,0 25 47,1-25-32,-1 0 1,0 0 15,0 0-31</inkml:trace>
-  <inkml:trace contextRef="#ctx0" brushRef="#br0" timeOffset="12910.3">6201 3646 0,'25'0'203,"25"0"-203,-1-25 16,-24 25-16,25 0 16,49-24-1,-50-1 1,-24 25 15,-25-25-31</inkml:trace>
-  <inkml:trace contextRef="#ctx0" brushRef="#br0" timeOffset="19146.14">4837 4564 0,'0'25'125,"0"0"-125,25 24 15,-25-24-15,0 25 16,25-26 0,-25 1-1,0 0 1,0 0 0,0 0-1,0 0 16,0-1-15,0 26 0,0-25-1,0 24 1,0-24 0,0 0 15,0 0 47,0 0-62,24-25 124,1-25-93,0 25-31,0 0-1,0 0 17,-1 0-1,1 0 0,0 0-15,0 0 15,0 0 0,-1 0-15,1 0-1,0 0 1,0 0 15,0 0-15,-1 0 46,-24-25-30,25 25-32,0 0 31,0 0 0,0 0 0,-1 0 16,-24-25 0,25 25-47,0 0 16,0 0 15,0 0 0,-1 0 1,1 0-32,0 0 31,0 0 0,0 0-15,-1 0-1,26 0 1,-25 0 0,0 0-1,-50 0 438,0 0-343</inkml:trace>
-  <inkml:trace contextRef="#ctx0" brushRef="#br0" timeOffset="22212.13">4911 4539 0,'0'25'125,"0"0"-125,0 0 15,0-1 1,0 26-16,0-25 31,0 0-31,0-1 16,0 1-16,0 0 16,0 0 15,0 0-31,0 0 31,0-1 0,0 1-15,0 0 0,25 0-1,-25 0 1,0-1 15,0 1-31,0 0 16,25-25-1,0 25 32,0-25 16,-1 0-48,1-25 1,0 25-16,0-25 16,0 25-1,24 0 1,1 0-16,-1 0 15,-24 25 1,25-25 0,-25 0-1,-1 0-15,1 0 16,0 0 0,0 0 15,0 0-16,-1-25 1,1 25 0,0 0 15,49 0-15,-49 0-1,25 0 1,-25 0-16,49 0 15,-24 0 1,24 0 0,-24 0-1,-25 0 1,-1 0 0,1-25 187,-25 1-172,0-1-15,25 25-1,-25-25-15,0 0 16,0 0-1,0-24 1,0 24 31,0 0-16,0 0 16,25 25-31,-25-25-1,0 1 1,0-1 15,0 0 32,0 50 390,0 0-438,0-1 1,0 1 15,0 0-15,0 0 0,0 25-1,0-26 1,0 1-1,0 0 79</inkml:trace>
-  <inkml:trace contextRef="#ctx0" brushRef="#br0" timeOffset="29685.49">6449 4167 0,'-25'0'63,"1"0"-17,-1 0-14,0 0-1,0 0 31,25 25-46,-25-25 0,1 25 15,-1-25-15,0 0-1,0 0 1,0 0-1,1 0 1,-1 0 15,25 25-15,-25-1 0,25 1-1,-25 0 1,25 0 15,0 0-15,0-1-1,0 1-15,0 0 32,0 0-32,0 0 15,0-1-15,0 26 16,0 24 15,0 1-15,0-50-1,-25 49 1,25-49 15,0 0-15,0 0-1,0-1 1,0 1 0,25 0-1,-25 0 1,25-25 0,0 0 15,0 0-16,-1 0 1,1 0 0,0 0-1,0 0-15,0 25 16,49-25 0,-49 24-1,24-24 1,1 0-1,-25-24 1,0-1 0,24 0-1,-24 0 17,-25 0-17,25 25 1,-25-24 31,0-1-16,0 0 16,0 0-32,0-25 1,0 26-16,0-1 16,0-74 15,0 74-31,-25-25 16,25 25-1,0 1 16,-25 24-15,25-25 0,0 0-1,-25 0 1,25 0 15,-24 25-15,24-24-1,0-1 1,-25 25 0,0 0 15,0 0 0,0 0-15,1 0-1,-1 0 1,0 0 0,0-25 15</inkml:trace>
-  <inkml:trace contextRef="#ctx0" brushRef="#br0" timeOffset="51205.28">25202 4663 0,'0'-25'47,"-25"25"-47,25-24 16,0-1-1</inkml:trace>
-  <inkml:trace contextRef="#ctx0" brushRef="#br0" timeOffset="52906.99">25350 4192 0,'-24'0'62,"-1"0"-15,-50 25-47,51 0 16,-26 24-16,-49 26 15,-25 73 1,49-48-1,26-26 1,24 0 15,-25-24-15,50-25-16,-49 49 16,49-24-1,-25 49 1,25 25-1,25-25 1,49 1 0,25-26-1,-24-49 1,-26-25 0,-24 0-1,0 0 1,49-25 15,-49 0-31,50-24 31,173-100-15,-50 50 0,-99-25-1,-49-25 1,-1 0-1,-49 50 1,-24-1 0,-1 51-1,0-1 1,0 25 0,0 1 15,1 24-31,24-50 15,-124-74 17,49 50-17,1-1 1,49 75 0,0 0-1,-24 50 1,-51 74-1,26-50 1,-25 25 0,24-74-1,1 25 1,-50-25 0,25-1-1,-25 26 1,124-25-1,-25 0 17,25 49-17,0 25 1,0-24 0,0-1-1,49-24 1,-24-50-1,0 25 1,0-25 0,24 0-1,-24 0 1,0 0 0,0 0-1,0-25 16,24 0-31,1 0 32,-25 25-17,0-25 1,-1 1 0,26 24-1,-25-50 1,-25 25-1,49-49 1,-49-1 0,25 26-1</inkml:trace>
-  <inkml:trace contextRef="#ctx0" brushRef="#br0" timeOffset="116752.95">22324 14759 0,'-25'0'203,"1"0"-156,24 25-32,-25-25 48,25 24-48,0 1 17,0 0 46,-25 25-47,25-26-15,0 1-16,0 25 15,0-25 17,25-50 61,0 25-61,-25-25-32,0 0 15,49 25 1,-49-25-1,25 25 1,-25-24 0,0-1 156,0 0-141,0 0 31,-25 25-46,0 0 0,1 0 15,-1 0 47,0 0 0,0 0-62,25 25-16,0 0 15,0 0 79,25-1-47,0-24-16,0 25-31,-1 0 31,1-25-31,0 0 16,25 0 0,-26 0-1,1 0 17,-25-25 14,0 0-14,0 1 15,0-1-32,0-25 1,-25 25-1,1 1 1,-1 24 31,25-25-47,-25 25 31,0 0 63,0 0-78,1 25-1,24-1-15,-25 1 31,25 0 48,49 0 77,-24-25-141,25 0 1,-25 0 15,-25-25-15,24 25-16,-24-25 47,25 25-16,0-25 0,0 25 16,-25-24-31,-25 24 93,0 24-93,0-24-1,1 0 1,-1 0 0,0 0-1,25 25 1,-25-25-16,0 0 31,1 0-15,24 25-1,24-25 142,1 0-110,-25 25-47,25-25 31,0 0-16,0 0 17,-1 0-1,-24-25 31</inkml:trace>
-  <inkml:trace contextRef="#ctx0" brushRef="#br0" timeOffset="119595.11">22324 14287 0,'-25'0'110,"25"25"-63,-24-25-47,24 25 31,0 0 141,0 0-141,24-25-15,1 0-1,-25 25-15,25-25 16,0 0 15,-25-25 47,0 0 32,0-25-110,-25 50 15,25-25 1,0 1-16,0-1 15,-25 25 1,0-25 0,25 0-1,-24 25 1,-1 0 93,25 25-31,-25 0-15,25 0-16,0-1-32,25 1 1,-25 0 15,0 0 1,25-25-17,-1 0 48,-24 25-48,25-25 1,0 0 15,0 0-15,0 0 15,-25-25 16,0 0 0,0 0 78,-25 25-110,0 0 48,0 0-47,0-25-1,25 1 32,-24 24 31,-1 24 0</inkml:trace>
-  <inkml:trace contextRef="#ctx0" brushRef="#br0" timeOffset="152878.01">16917 10443 0,'-25'0'79,"0"0"-64,0 25-15,-24-25 16,-50 49-1,-125 26 1,-49 73 0,-49 1-1,0 50 1,49-1 0,149-74-1,124-99 1,0 0-1,0 0 1,0 24 15,0 125-15,-25-50-16,25 149 16,-25 24-1,0-49 1,0 0-1,25 0 1,0 100 0,0-224-1,0 49 1,0 1 0,0 0-1,0-100 1,-24 75 15,24-99-15,0 148-1,24-99 1,-24 0 0,25-24-1,-25-1 1,25-49-1,-25 0 1,0 0 0,0-1-1,25 1 1,-25 0 0,74 74-1,150 50 1,98 25 15,-148-100-15,347 174-1,-298-173 1,-25 24 0,100 25-1,-100-50-15,-24-49 16,173 49-1,124 1 1,-24-50 0,-199-25-1,-74 0 1,-75-25 0,50-25-1,198 1 16,0-1-15,50 0 0,0-24-1,-99 24 1,-100 26 0,-99-1-1,0 25 1,75 0-1,74 25 1,124-25 0,25 0-1,174-25 1,98-50 15,-272 26-15,0-26-1,25 26 1,-100-1 0,26 25-1,48-24 1,26-26 0,-99-24-1,123-25 1,-297 50-1,49-75 1,-99 74 0,1 1-1,24-50 1,25 0 0,49-74-1,100-26 16,-150 51-15,-23 73 0,-51-24-1,-24 25 1,-1-99 0,-24 49-1,0 0 1,24-25-1,-24-123 1,-25 222 0,0-73-1,0-51 1,-74-24 0,-25-25 15,24 74-16,-24 25 1,24 1 0,26 24-1,-50-50 1,-25-25 0,-75-49-1,125 149 1,-174-74-1,-100-51 1,-321 26 0,396 123-1,-248-49 1,-248 25 15,323 50-31,-75-1 31,-25 50-15,-149 0 0,150 0-1,-75 0 1,74-50 0,-74-24-1,-25 24 1,-99 26-1,545 24 1,-49 24-16,-149 51 16,-49-26-1,49-24 1,-124-25 0,124 0 15,25 0-16,199 0 1,-1 25 0,25 25-1,99-1 1,50-24 15,0 0 0</inkml:trace>
-  <inkml:trace contextRef="#ctx0" brushRef="#br0" timeOffset="154846.71">27955 11857 0,'-75'24'62,"-24"51"-46,-50-1 0,-24 1-16,-75-26 15,74 1-15,-322 24 32,372-49-32,25 0 15,0 49 1,49-49-1,0 25 1,26-25 0,24-1-1,-25-24 1,0 0 0,50-24 62,-25-1-63,25-50 1,-1 26-16,-24-1 16,0 1-1,0-1-15,0-25 16,50-24-1,-25 25 1,24-25 0,-24 24-1,0 1 1,0 24 0,-25 25-1,0 1 16,0 48 32,0 26-47,-50 24-1,25 1-15,-74 198 16,25-149-1,49-50 1,0-49 0,25 0-1,0 74 1,-25 0 0,-24 75-1,24-149 1,25-1-1,25-24 126,24 0-125,26 0-1,24 25-15,0 0 16,224 0 0,-224 24-16,-25-24 15,50 25 1,0 24-1,-124-49 1,25-25 15</inkml:trace>
-</inkml:ink>
-</file>
-
-<file path=ppt/ink/ink7.xml><?xml version="1.0" encoding="utf-8"?>
-<inkml:ink xmlns:inkml="http://www.w3.org/2003/InkML">
-  <inkml:definitions>
-    <inkml:context xml:id="ctx0">
-      <inkml:inkSource xml:id="inkSrc0">
-        <inkml:traceFormat>
-          <inkml:channel name="X" type="integer" max="3286" units="cm"/>
-          <inkml:channel name="Y" type="integer" min="-313" max="768" units="cm"/>
-          <inkml:channel name="T" type="integer" max="2.14748E9" units="dev"/>
-        </inkml:traceFormat>
-        <inkml:channelProperties>
-          <inkml:channelProperty channel="X" name="resolution" value="95.52325" units="1/cm"/>
-          <inkml:channelProperty channel="Y" name="resolution" value="55.72165" units="1/cm"/>
-          <inkml:channelProperty channel="T" name="resolution" value="1" units="1/dev"/>
-        </inkml:channelProperties>
-      </inkml:inkSource>
-      <inkml:timestamp xml:id="ts0" timeString="2022-01-14T02:38:46.819"/>
-    </inkml:context>
-    <inkml:brush xml:id="br0">
-      <inkml:brushProperty name="width" value="0.05292" units="cm"/>
-      <inkml:brushProperty name="height" value="0.05292" units="cm"/>
-      <inkml:brushProperty name="color" value="#FF0000"/>
-    </inkml:brush>
-  </inkml:definitions>
-  <inkml:trace contextRef="#ctx0" brushRef="#br0">4589 6548 0,'25'0'156,"-1"-49"-156,26 49 16,-50-50-16,50 50 16,-26-25-16,51-24 15,-25 24 1,-26 25 125,1 0-95,0 0-46,0 0 32,0 0-17,24 0 1,-24 0 0,0 0-1,0 0-15,-25 25 16,24-25 15,-24 25-15,0-1-1,25-24 1,0 0 93,0 0-93,0 0-16,-1 25 16,1-25-1,0 0 1,0 0-1,0 25 1,-1-25 0,1 0-1,0 0 17,0 0 14,0 0-14,-1 0-17,1 0 1,0 25 0,-25 0-1,50-25 1,-26 24 15,1-24-15,0 0 31,0 0-16,0 0 0,-1 0 0,1 0 1,0 0-17,0 0 16,0 0-15,24 0 0,-24 0-1,0 0 17,0 0-17,0 0 16,-1 0-15,1 0 15,0 0-15,0 0 0,0 0-16,-1 0 15,1 0 16,0 0-15,0 0 0,0 0-1,-1 0 17,1 0-32,0 0 15,49 25 1,-24 0-1,0 0 1,-26-25 0,1 0-1,0 25 1,0-25 15,0 0 16,-1 0 31,1 0-47,0 0-15,0 0 15,0 0 360,-1 0-344,1 0-32,0 0 32</inkml:trace>
-  <inkml:trace contextRef="#ctx0" brushRef="#br0" timeOffset="49217.13">22969 5854 0,'0'-25'78,"25"25"-78,0 0 47,-25-25-32,25 25 1,-1 0-1,1 0 17,0 0-17,0 0 32,0 0-31,-1 0 15,1 0-15,0 0-1,0 0 1,0 25 0,-1-25-16,1 0 15,25 0 1,-25 0-1,-1 0 1,1 0-16,25 0 31,-1 0-15,51 0 0,-51 0-1,26 0 1,-51 0-1,1 0 1,0 0 0,0 0-1,0 0 1,0 25 0,-1-25 15,1 0-31,0 0 15,0 0-15,0 0 32,24 0-1,-24 0-15,49 25-1,-24 0 1,49-1-1,-24-24 1,-51 25 0,26-25-1,-25 0-15,24 0 16,1 25 0,24-25-1,-49 0 1,50 0-1,-51 0 17,1 0-17,0 0 1,25 0 0,24 0-1,1 0 1,24 0-1,0 0 1,-49 0 0,-1 0-1,26 0 1,-51 0 0,26 0-1,-25 0 1,74 0 15,25 0-15,-25 0-1,-49 0 1,0 0 0,-26 0-1,1 0 16,0 0 1,0 0-17,24 0-15,1 0 16,49 0-16,-49 0 16,24 0-1,-74-25 16,25 25 48,-25-25-64,25 25 63,0 0-62,-1 0 0,-24-24-16,25 24 15,0 0 1,0 0-1,0 0 1,-1-25 0,1 25-1,0 0 1,0 0 0,0 0 109,-1 0-94,1 0-16,0 0 1,-25-25 0,25 25 1202,0 0-1171,-1-25-47,1 25 16,25-25 0,-1 25-16,-24 0 15,0 0 1,0 0-1,0 0 1,24 0 15,-24 0-15,0 0 15,0 0 0,0 0-15,-1 0 0,1 0-1,0 0 17,0 0-1,0 0 0,-1 0-15,1 0-1,0 0-15,0 0 16,24 0 0,-24 0-1,0 0 16,25 0-15,-26 0 0,1 0-1,25 0 1,-25 0 0,-25 25-1,24-25 48,-24 25-32,25 0-15,0-25-1,-25 25-15,74-25 31,1 49-15,-50-49 0,-1 0-1,1 0-15,0 0 32,0 0-17,25 0 1,-26 0 15,1 0-31,25 0 16,-1 0-1,1 0 1,24 25 0,1 0 15,24 0-16,25-1 1,-25 1 0,-49-25-1,-1 0 1,-24 0-16,25 0 16,-25 25-1,-1-25 1,1 0-1,0 0 1,25 0 15,24 0-15,125 50 0,-51-50 15,-98 0-31,24 0 15,26 0 1,-1 0 0,-25 0-1,-24 0 1,49 0 0,50 0-1,-75 0 1,-49 0-1,0 0 1,0 0 31,0 0-31,-1 0 15,1 0 0,25 0-15,49 0-1,-49 0 1,-26 0 0,1 0-1,0 0 16,0-25 1,0 25-17,-1 0 1,26-25-16,0 25 31,-26 0-31,51-25 16,-26 0-1,-24 25 1,0-24 0,25 24-1,-26 0 1,1 0 0,0-25-1,0 25 16,0 0-15,0 0 15,-1 0-15,26 0 0,-25 0-1,0-25 1,-1 25-16,1 0 15,25-25 1,-25 25 0,-1 0-1,1 0 17,0 0 14</inkml:trace>
-  <inkml:trace contextRef="#ctx0" brushRef="#br0" timeOffset="52034.29">29369 3770 0,'-25'0'125,"0"25"-125,0 0 16,-24 0-16,-1 0 15,-49 74 1,0-50 0,49 1-1,0 0 1,26-26 0,24 1 15,-25 0-31,-25 0 15,-24 24 1,-1 1 0,1 0 15,24-1-15,50-24-16,-24 0 15,24 0 1,0-1-1,-25-24 17,25 25-17,0-50 188,0 1-203,0-1 16,0-25 0,0 1-1,0-1 1,0 0 0,0 26-1,0-1 1,0 0-1,0 0 1,0 0 15,0 1-15,0-26 0,0 25-16,0 0 31,0 50 78,0 25-78,25-25-31,-1-1 16,-24 26 0,0-25-1,0 49 1,0-49 0,0 0 15,0 0 16,0-1-47,0 1 15,0 0 1,0 25 0,0-26-1,0 26 1,25-50 187,0 0-203,0 0 16,0 0-16,24 0 15,1 0 1,-25-25-1,49 25 1,-24 0 0,-1 0-1,1-25 1,-1 25 0,1 0-1,-25 0 1,-25-24 93</inkml:trace>
-  <inkml:trace contextRef="#ctx0" brushRef="#br0" timeOffset="55242.71">30609 3795 0,'25'0'31,"0"0"0,-25 25 1,0 0-17,24-25 1,-24 49-16,25-24 16,0 74 15,25-24-16,-50-26 1,0-24 0,24-25-1,-24 25 1,0 0 15,0 0 32,25-25-48,-25 24 1,0 1 0,25 0-16,-25 0 31,0 0 0,0-1-15,0 51-1,0-50-15,0 24 16,0-24 0,-25-25 140,0-25-141,25-24 1,-24 24 0,24 0-1,0 0 1,0 0 15,0 1-31,-25-1 16,25 0-1,-25 25 1,25-25 0,-25 25-1,0 0 32,1-25 16</inkml:trace>
-  <inkml:trace contextRef="#ctx0" brushRef="#br0" timeOffset="56426.9">30907 4539 0,'24'-25'93,"1"1"-77,0-1 0,0 0-16,24-49 31,-24 49-15,0 0-1,-25 0 1,25 25-1,0-25 1,-25 1 0,0-1-1,24 0 1,-24 0 0,0 0 30,25 25-30</inkml:trace>
-  <inkml:trace contextRef="#ctx0" brushRef="#br0" timeOffset="133833.7">4539 14883 0,'25'0'141,"0"0"-126,0 0-15,24 0 16,-24 0 0,25-25-1,-26 25 1,1 0-16,75-25 16,-51 25 15,26 0-16,-26 25 1,1-25 0,-1 0-1,26 0 1,-50 0 0,49 0-1,-24 0 1,-1 0-1,26 25 1,98 24 0,-148-49-1,99 25 1,-74-25 0,-25 0 15,-1 0 0,1 0-15,0 0-1,0 0 1,0 0 0,-1 0-1,1 0 1,0 0-1,0 0 1,49-25 0,-49 25-1,25 0 1,-26 0-16,76 0 16,-26 0 15,0 0-16,-24 0 1,-25 0 0,0 0-1,-1 0 1,1 0 0,0 0-1,0 0 1,24 25-1,1-25 1,0 25 0,-75-25 62,25 25-31</inkml:trace>
-  <inkml:trace contextRef="#ctx0" brushRef="#br0" timeOffset="156411.4">769 11807 0,'-25'0'47,"0"50"-32,1-1-15,-1-24 16,0 25-16,0-26 15,0 76 1,1-51 0,-1 75 15,25-99-31,0 99 16,-75 99-1,26-74 1,49-50-1,0 100 1,-25-75 0,25-25-1,0-24 1,0-51 0,0 1-1,0 50 1,25 123-1,24-74 1,-24 0 0,25 50 15,-50-150-15,25 26-16,-1 24 15,1 1 1,-25 24-1,50 0 1,-25-49 0,-1 49-1,51-24 1,-26-26 0,-24-24-1,0 0 1,-25 24-1,50 1 1,-26 0 0,26 24 15,99 25-15,49 0-1,25-24 1,26-25-1,-51-1 1,-49-49 0,-75 0-1,1 25 1,173 0 0,0 0-1,-25-1 1,0 1-1,224 50 17,-298-51-32,123 26 31,150 24-15,-99-24-1,49-25 1,-75-25-1,-74 0 1,-123-25 0,-51 25-1,26-25 1,-26 0 0,75 1-1,25 24 1,174 0-1,74 0 1,148 0 15,-322-50-15,-74 0 0,0-49-1,25 25 1,-25-1-1,-25 26 1,49-1 0,75 50-1,100-50 1,-200 26 0,125-76-1,0-123 1,-223 174-1,24-100 17,-24 50-17,-50 49 1,25-49 0,-25 49-1,0-74 1,0-25-1,0 0 1,0 50 0,0-25-1,0 50 1,0-50 0,0-50-1,0 75 1,0-25 15,0-25-31,0 0 31,0 25-15,-25 25 0,25 49-1,-25-24 1,-25 49 15,50 0-15,-24 25-1,-26-49 1,-25-1 0,26 1-1,-1 24-15,1-50 16,24 51 15,0-1-15,0-25-1,0 25 1,-24-24 0,24 24-1,-49 0 1,24 0-1,-24-24 1,-26 24 0,26 0-1,-124-49 1,-75 24 0,-298-24-1,100-26 16,99 76-31,74 24 32,125 0-17,24 0 1,25 0 0,-50 0-1,-49 0 1,-124 0-1,74 0 1,25 0 0,74 0-1,-99 0 1,174 0 0,-149 0-1,99 0 1,75 0-1,24 0 17,0 0-17,26 0 1,-51-25 0,-24 25-1,0-25 1,0 25-1,-75 0 1,25-25 0,50 25-1,-50 0 1,50 0 0,-25 0-1,0 0 16,-50 0-31,25 25 32,-24-25-17,-75 25 1,-25 0 0,149-25-1,49 0 1,26 24-1,24-24 1,0 0 62,0 0-62,-24 0-1,-1 0-15,-49 25 32,24 0-17,51-25 1,-1 0 31,-25 25-32,1-25-15,-26 25 16,-74-25-16,-24 24 16,74-24-1,74 0 1</inkml:trace>
-  <inkml:trace contextRef="#ctx0" brushRef="#br0" timeOffset="163257.49">26541 10294 0,'-25'0'140,"-24"25"-124,-1 0-16,-74-25 16,25 24-1,-124 1-15,-1 25 16,1-25 0,49 24-1,-24-49 1,99 0-1,0 25 1,-26 0 0,-23 0 15,-76-25-15,-24 0-1,124 0 1,25 0-1,0 24 1,49 1-16,-49-25 16,-25 50-1,-124-1 1,74 1 0,1-50-1,-75 0 1,-50 0 15,199 0-31,-124 0 31,74 0-15,-99 50 0,173-26-1,-123-24 1,-125 25-1,199-25 1,50 0 0,0 0-1,24 0 1,0 25 0,26 0-1,-1 0 16,0 49-31,0-49 16,0 49 15,25-24-15,0 49 0,0-49-1,0 24 1,0 125-1,0-75 1,0 24 0,0 1-1,50 0 1,-25 99 0,24-49-1,-49-1 1,25-24-1,0 123 17,0-222-17,0 98 1,-1-49 0,26 50-1,-25 49 1,0-74-1,-1 50 1,1-1 0,0-49-1,0 0 17,-25-125-32,49 100 15,-49-24 1,50-26-1,-25 50 1,0 75 15,-25-125-15,0 25 0,0 50-1,0-99 1,0 98-1,0 1 1,0 25 0,0-25-1,0 0 1,49-25 0,-24-25-1,0-25 1,-25-24 15,0-25-31,0 49 31,0-24-15,0 24 0,25 75-1,49 0 1,-24 0-1,49-25 1,0-50 0,100 75-1,-26-100 1,50 51 0,50-51-1,75-49 1,-150-49-1,-24-1 1,49-24 15,-74 49-15,74 0 0,0 0-1,50 25 1,0 0-1,-124 0 1,0 0 0,24-25-1,-49 1 1,50 24 0,99 0-1,198 0 1,-124 24 15,50-24-15,124 0-1,-174-24 1,-74-26 0,25 0-1,-75 26 1,0-26-1,-99 25 1,50 25 0,74-49-1,0-1 17,-174 50-32,75-74 15,0 24 1,-75-25-1,26 1 17,-76 24-17,26-24 1,25-50 0,-1 25-1,-49-25 1,49 0-1,-49-25 1,-25 0 0,0-124-1,0 25 1,0 149 0,0-50-1,0-24 1,0 73-1,0-73 1,-25 49 0,-24-100-1,24 51 1,0-1 0,0 25-1,0 0 1,25 25-1,-24-74 1,-26-25 0,0 49-1,-24-24 1,-1-75 0,51 198-1,-26-73 1,-49-125 15,74 124-15,25 25-1,0 0 1,0-50 0,0 25-1,-25 1 1,-24-1-1,24 25 1,-25 0 0,25 49-1,1 1 1,-1-25 0,0-1-1,0 1 1,0 25 15,1-1-15,-26 1-1,25 24 1,0 1 0,-24-1-1,-1 25 1,-24 1-1,24 24 1,-49 0 0,-100 0-1,-49 0 1,75 0 0,98-25 15,-24 25-16,25 0 1,-50 0 0,0 0-1,24 0 1,-24 0 0,-24 0-1,24 0 1,0-25-1,74 0 1,-49 0 0,49 25-1,-74 0 1,25 0 0,0 0-1,49 0 16,0 0-15,1 0 0,-1 0-1,25-24 1,1 24 0,-1 0 15,0 0-16</inkml:trace>
-</inkml:ink>
-</file>
-
-<file path=ppt/ink/ink8.xml><?xml version="1.0" encoding="utf-8"?>
-<inkml:ink xmlns:inkml="http://www.w3.org/2003/InkML">
-  <inkml:definitions>
-    <inkml:context xml:id="ctx0">
-      <inkml:inkSource xml:id="inkSrc0">
-        <inkml:traceFormat>
-          <inkml:channel name="X" type="integer" max="3286" units="cm"/>
-          <inkml:channel name="Y" type="integer" min="-313" max="768" units="cm"/>
-          <inkml:channel name="T" type="integer" max="2.14748E9" units="dev"/>
-        </inkml:traceFormat>
-        <inkml:channelProperties>
-          <inkml:channelProperty channel="X" name="resolution" value="95.52325" units="1/cm"/>
-          <inkml:channelProperty channel="Y" name="resolution" value="55.72165" units="1/cm"/>
-          <inkml:channelProperty channel="T" name="resolution" value="1" units="1/dev"/>
-        </inkml:channelProperties>
-      </inkml:inkSource>
-      <inkml:timestamp xml:id="ts0" timeString="2022-01-14T02:45:29.770"/>
-    </inkml:context>
-    <inkml:brush xml:id="br0">
-      <inkml:brushProperty name="width" value="0.05292" units="cm"/>
-      <inkml:brushProperty name="height" value="0.05292" units="cm"/>
-      <inkml:brushProperty name="color" value="#FF0000"/>
-    </inkml:brush>
-  </inkml:definitions>
-  <inkml:trace contextRef="#ctx0" brushRef="#br0">3671 5209 0,'25'0'125,"0"0"-109,0 0 0,-1 0-16,1 0 31,-25 25 63,0 0-79,0-1 17,-25 1 93,25 25-110,-24-50 1,24 25-1,0-1 1</inkml:trace>
-  <inkml:trace contextRef="#ctx0" brushRef="#br0" timeOffset="1114.27">3919 5184 0,'0'25'94,"-25"25"-78,25-26-1,0 26 1,0-25-16,0 0 16,0-1-1,0 1-15,0 0 16</inkml:trace>
-  <inkml:trace contextRef="#ctx0" brushRef="#br0" timeOffset="2452.85">5035 5110 0,'0'25'94,"0"-1"-94,0 1 15,0 0 1,0 0-1,25 0 1,-25-1 0,0 1-1,25-25-15,-25 25 16,0 0 109,0 0-94</inkml:trace>
-  <inkml:trace contextRef="#ctx0" brushRef="#br0" timeOffset="3223.28">5209 5085 0,'0'25'94,"0"0"-94,0-1 15,0 1-15,25 0 16,-25 0-16,0 0 16,0 24-1,0-24 17,0 0-17,0 0 1,0-1 15</inkml:trace>
+  <inkml:trace contextRef="#ctx0" brushRef="#br0">25202 4663 0,'0'-25'47,"-25"25"-47,25-24 16,0-1-1</inkml:trace>
 </inkml:ink>
 </file>
 
@@ -562,7 +331,7 @@
           <a:p>
             <a:fld id="{D71203D8-58C2-4C48-8094-4E5BF12B1019}" type="datetimeFigureOut">
               <a:rPr lang="en-US" smtClean="0"/>
-              <a:t>1/13/2022</a:t>
+              <a:t>10/3/2022</a:t>
             </a:fld>
             <a:endParaRPr lang="en-US"/>
           </a:p>
@@ -763,7 +532,7 @@
           <a:p>
             <a:fld id="{D71203D8-58C2-4C48-8094-4E5BF12B1019}" type="datetimeFigureOut">
               <a:rPr lang="en-US" smtClean="0"/>
-              <a:t>1/13/2022</a:t>
+              <a:t>10/3/2022</a:t>
             </a:fld>
             <a:endParaRPr lang="en-US"/>
           </a:p>
@@ -974,7 +743,7 @@
           <a:p>
             <a:fld id="{D71203D8-58C2-4C48-8094-4E5BF12B1019}" type="datetimeFigureOut">
               <a:rPr lang="en-US" smtClean="0"/>
-              <a:t>1/13/2022</a:t>
+              <a:t>10/3/2022</a:t>
             </a:fld>
             <a:endParaRPr lang="en-US"/>
           </a:p>
@@ -1242,7 +1011,7 @@
           <a:p>
             <a:fld id="{11008460-8B2F-4AAA-A4E2-10730069204C}" type="datetimeFigureOut">
               <a:rPr lang="en-US" smtClean="0"/>
-              <a:t>1/13/2022</a:t>
+              <a:t>10/3/2022</a:t>
             </a:fld>
             <a:endParaRPr lang="en-US"/>
           </a:p>
@@ -1469,7 +1238,7 @@
           <a:p>
             <a:fld id="{11008460-8B2F-4AAA-A4E2-10730069204C}" type="datetimeFigureOut">
               <a:rPr lang="en-US" smtClean="0"/>
-              <a:t>1/13/2022</a:t>
+              <a:t>10/3/2022</a:t>
             </a:fld>
             <a:endParaRPr lang="en-US"/>
           </a:p>
@@ -1670,7 +1439,7 @@
           <a:p>
             <a:fld id="{D71203D8-58C2-4C48-8094-4E5BF12B1019}" type="datetimeFigureOut">
               <a:rPr lang="en-US" smtClean="0"/>
-              <a:t>1/13/2022</a:t>
+              <a:t>10/3/2022</a:t>
             </a:fld>
             <a:endParaRPr lang="en-US"/>
           </a:p>
@@ -1948,7 +1717,7 @@
           <a:p>
             <a:fld id="{D71203D8-58C2-4C48-8094-4E5BF12B1019}" type="datetimeFigureOut">
               <a:rPr lang="en-US" smtClean="0"/>
-              <a:t>1/13/2022</a:t>
+              <a:t>10/3/2022</a:t>
             </a:fld>
             <a:endParaRPr lang="en-US"/>
           </a:p>
@@ -2216,7 +1985,7 @@
           <a:p>
             <a:fld id="{D71203D8-58C2-4C48-8094-4E5BF12B1019}" type="datetimeFigureOut">
               <a:rPr lang="en-US" smtClean="0"/>
-              <a:t>1/13/2022</a:t>
+              <a:t>10/3/2022</a:t>
             </a:fld>
             <a:endParaRPr lang="en-US"/>
           </a:p>
@@ -2631,7 +2400,7 @@
           <a:p>
             <a:fld id="{D71203D8-58C2-4C48-8094-4E5BF12B1019}" type="datetimeFigureOut">
               <a:rPr lang="en-US" smtClean="0"/>
-              <a:t>1/13/2022</a:t>
+              <a:t>10/3/2022</a:t>
             </a:fld>
             <a:endParaRPr lang="en-US"/>
           </a:p>
@@ -2775,7 +2544,7 @@
           <a:p>
             <a:fld id="{D71203D8-58C2-4C48-8094-4E5BF12B1019}" type="datetimeFigureOut">
               <a:rPr lang="en-US" smtClean="0"/>
-              <a:t>1/13/2022</a:t>
+              <a:t>10/3/2022</a:t>
             </a:fld>
             <a:endParaRPr lang="en-US"/>
           </a:p>
@@ -2891,7 +2660,7 @@
           <a:p>
             <a:fld id="{D71203D8-58C2-4C48-8094-4E5BF12B1019}" type="datetimeFigureOut">
               <a:rPr lang="en-US" smtClean="0"/>
-              <a:t>1/13/2022</a:t>
+              <a:t>10/3/2022</a:t>
             </a:fld>
             <a:endParaRPr lang="en-US"/>
           </a:p>
@@ -3205,7 +2974,7 @@
           <a:p>
             <a:fld id="{D71203D8-58C2-4C48-8094-4E5BF12B1019}" type="datetimeFigureOut">
               <a:rPr lang="en-US" smtClean="0"/>
-              <a:t>1/13/2022</a:t>
+              <a:t>10/3/2022</a:t>
             </a:fld>
             <a:endParaRPr lang="en-US"/>
           </a:p>
@@ -3496,7 +3265,7 @@
           <a:p>
             <a:fld id="{D71203D8-58C2-4C48-8094-4E5BF12B1019}" type="datetimeFigureOut">
               <a:rPr lang="en-US" smtClean="0"/>
-              <a:t>1/13/2022</a:t>
+              <a:t>10/3/2022</a:t>
             </a:fld>
             <a:endParaRPr lang="en-US"/>
           </a:p>
@@ -3745,7 +3514,7 @@
           <a:p>
             <a:fld id="{D71203D8-58C2-4C48-8094-4E5BF12B1019}" type="datetimeFigureOut">
               <a:rPr lang="en-US" smtClean="0"/>
-              <a:t>1/13/2022</a:t>
+              <a:t>10/3/2022</a:t>
             </a:fld>
             <a:endParaRPr lang="en-US"/>
           </a:p>
@@ -6458,7 +6227,7 @@
             <a:fld id="{11008460-8B2F-4AAA-A4E2-10730069204C}" type="datetimeFigureOut">
               <a:rPr lang="en-US" smtClean="0"/>
               <a:pPr/>
-              <a:t>1/13/2022</a:t>
+              <a:t>10/3/2022</a:t>
             </a:fld>
             <a:endParaRPr lang="en-US" dirty="0"/>
           </a:p>
@@ -8920,108 +8689,6 @@
           </a:p>
         </p:txBody>
       </p:sp>
-      <mc:AlternateContent xmlns:mc="http://schemas.openxmlformats.org/markup-compatibility/2006">
-        <mc:Choice xmlns:p14="http://schemas.microsoft.com/office/powerpoint/2010/main" Requires="p14">
-          <p:contentPart p14:bwMode="auto" r:id="rId2">
-            <p14:nvContentPartPr>
-              <p14:cNvPr id="6" name="Ink 5">
-                <a:extLst>
-                  <a:ext uri="{FF2B5EF4-FFF2-40B4-BE49-F238E27FC236}">
-                    <a16:creationId xmlns:a16="http://schemas.microsoft.com/office/drawing/2014/main" id="{0807AFBE-DA41-4478-9DA9-05FAE81F81B7}"/>
-                  </a:ext>
-                </a:extLst>
-              </p14:cNvPr>
-              <p14:cNvContentPartPr/>
-              <p14:nvPr/>
-            </p14:nvContentPartPr>
-            <p14:xfrm>
-              <a:off x="3044880" y="2027160"/>
-              <a:ext cx="1848960" cy="750240"/>
-            </p14:xfrm>
-          </p:contentPart>
-        </mc:Choice>
-        <mc:Fallback>
-          <p:pic>
-            <p:nvPicPr>
-              <p:cNvPr id="6" name="Ink 5">
-                <a:extLst>
-                  <a:ext uri="{FF2B5EF4-FFF2-40B4-BE49-F238E27FC236}">
-                    <a16:creationId xmlns:a16="http://schemas.microsoft.com/office/drawing/2014/main" id="{0807AFBE-DA41-4478-9DA9-05FAE81F81B7}"/>
-                  </a:ext>
-                </a:extLst>
-              </p:cNvPr>
-              <p:cNvPicPr/>
-              <p:nvPr/>
-            </p:nvPicPr>
-            <p:blipFill>
-              <a:blip r:embed="rId3"/>
-              <a:stretch>
-                <a:fillRect/>
-              </a:stretch>
-            </p:blipFill>
-            <p:spPr>
-              <a:xfrm>
-                <a:off x="3035520" y="2017800"/>
-                <a:ext cx="1867680" cy="768960"/>
-              </a:xfrm>
-              <a:prstGeom prst="rect">
-                <a:avLst/>
-              </a:prstGeom>
-            </p:spPr>
-          </p:pic>
-        </mc:Fallback>
-      </mc:AlternateContent>
-      <mc:AlternateContent xmlns:mc="http://schemas.openxmlformats.org/markup-compatibility/2006">
-        <mc:Choice xmlns:p14="http://schemas.microsoft.com/office/powerpoint/2010/main" Requires="p14">
-          <p:contentPart p14:bwMode="auto" r:id="rId4">
-            <p14:nvContentPartPr>
-              <p14:cNvPr id="7" name="Ink 6">
-                <a:extLst>
-                  <a:ext uri="{FF2B5EF4-FFF2-40B4-BE49-F238E27FC236}">
-                    <a16:creationId xmlns:a16="http://schemas.microsoft.com/office/drawing/2014/main" id="{7B94EAB2-7F99-4A0D-A526-5CCE7827DD3F}"/>
-                  </a:ext>
-                </a:extLst>
-              </p14:cNvPr>
-              <p14:cNvContentPartPr/>
-              <p14:nvPr/>
-            </p14:nvContentPartPr>
-            <p14:xfrm>
-              <a:off x="4938120" y="1759320"/>
-              <a:ext cx="2723760" cy="1312920"/>
-            </p14:xfrm>
-          </p:contentPart>
-        </mc:Choice>
-        <mc:Fallback>
-          <p:pic>
-            <p:nvPicPr>
-              <p:cNvPr id="7" name="Ink 6">
-                <a:extLst>
-                  <a:ext uri="{FF2B5EF4-FFF2-40B4-BE49-F238E27FC236}">
-                    <a16:creationId xmlns:a16="http://schemas.microsoft.com/office/drawing/2014/main" id="{7B94EAB2-7F99-4A0D-A526-5CCE7827DD3F}"/>
-                  </a:ext>
-                </a:extLst>
-              </p:cNvPr>
-              <p:cNvPicPr/>
-              <p:nvPr/>
-            </p:nvPicPr>
-            <p:blipFill>
-              <a:blip r:embed="rId5"/>
-              <a:stretch>
-                <a:fillRect/>
-              </a:stretch>
-            </p:blipFill>
-            <p:spPr>
-              <a:xfrm>
-                <a:off x="4928760" y="1749960"/>
-                <a:ext cx="2742480" cy="1331640"/>
-              </a:xfrm>
-              <a:prstGeom prst="rect">
-                <a:avLst/>
-              </a:prstGeom>
-            </p:spPr>
-          </p:pic>
-        </mc:Fallback>
-      </mc:AlternateContent>
     </p:spTree>
     <p:extLst>
       <p:ext uri="{BB962C8B-B14F-4D97-AF65-F5344CB8AC3E}">
@@ -10478,7 +10145,7 @@
             </a:pPr>
             <a:r>
               <a:rPr lang="en-US" sz="3600" dirty="0"/>
-              <a:t>print(a[1])</a:t>
+              <a:t>print(a[-1])</a:t>
             </a:r>
           </a:p>
         </p:txBody>
@@ -11378,57 +11045,6 @@
           </a:p>
         </p:txBody>
       </p:sp>
-      <mc:AlternateContent xmlns:mc="http://schemas.openxmlformats.org/markup-compatibility/2006">
-        <mc:Choice xmlns:p14="http://schemas.microsoft.com/office/powerpoint/2010/main" Requires="p14">
-          <p:contentPart p14:bwMode="auto" r:id="rId2">
-            <p14:nvContentPartPr>
-              <p14:cNvPr id="2" name="Ink 1">
-                <a:extLst>
-                  <a:ext uri="{FF2B5EF4-FFF2-40B4-BE49-F238E27FC236}">
-                    <a16:creationId xmlns:a16="http://schemas.microsoft.com/office/drawing/2014/main" id="{FF1CFD4F-F58D-43B1-9489-387AF6592421}"/>
-                  </a:ext>
-                </a:extLst>
-              </p14:cNvPr>
-              <p14:cNvContentPartPr/>
-              <p14:nvPr/>
-            </p14:nvContentPartPr>
-            <p14:xfrm>
-              <a:off x="133920" y="1214280"/>
-              <a:ext cx="11778480" cy="5349240"/>
-            </p14:xfrm>
-          </p:contentPart>
-        </mc:Choice>
-        <mc:Fallback>
-          <p:pic>
-            <p:nvPicPr>
-              <p:cNvPr id="2" name="Ink 1">
-                <a:extLst>
-                  <a:ext uri="{FF2B5EF4-FFF2-40B4-BE49-F238E27FC236}">
-                    <a16:creationId xmlns:a16="http://schemas.microsoft.com/office/drawing/2014/main" id="{FF1CFD4F-F58D-43B1-9489-387AF6592421}"/>
-                  </a:ext>
-                </a:extLst>
-              </p:cNvPr>
-              <p:cNvPicPr/>
-              <p:nvPr/>
-            </p:nvPicPr>
-            <p:blipFill>
-              <a:blip r:embed="rId3"/>
-              <a:stretch>
-                <a:fillRect/>
-              </a:stretch>
-            </p:blipFill>
-            <p:spPr>
-              <a:xfrm>
-                <a:off x="124560" y="1204920"/>
-                <a:ext cx="11797200" cy="5367960"/>
-              </a:xfrm>
-              <a:prstGeom prst="rect">
-                <a:avLst/>
-              </a:prstGeom>
-            </p:spPr>
-          </p:pic>
-        </mc:Fallback>
-      </mc:AlternateContent>
     </p:spTree>
     <p:extLst>
       <p:ext uri="{BB962C8B-B14F-4D97-AF65-F5344CB8AC3E}">
@@ -13446,7 +13062,7 @@
             </a:pPr>
             <a:r>
               <a:rPr lang="en-US" sz="3600" dirty="0"/>
-              <a:t>print(b[-5;-2])</a:t>
+              <a:t>print(b[-5:-2])</a:t>
             </a:r>
           </a:p>
           <a:p>
@@ -13658,8 +13274,8 @@
           </a:p>
         </p:txBody>
       </p:sp>
-      <mc:AlternateContent xmlns:mc="http://schemas.openxmlformats.org/markup-compatibility/2006">
-        <mc:Choice xmlns:p14="http://schemas.microsoft.com/office/powerpoint/2010/main" Requires="p14">
+      <mc:AlternateContent xmlns:mc="http://schemas.openxmlformats.org/markup-compatibility/2006" xmlns:p14="http://schemas.microsoft.com/office/powerpoint/2010/main">
+        <mc:Choice Requires="p14">
           <p:contentPart p14:bwMode="auto" r:id="rId2">
             <p14:nvContentPartPr>
               <p14:cNvPr id="2" name="Ink 1">
@@ -13673,12 +13289,12 @@
               <p14:nvPr/>
             </p14:nvContentPartPr>
             <p14:xfrm>
-              <a:off x="1330560" y="1232280"/>
-              <a:ext cx="9269280" cy="4679640"/>
+              <a:off x="9063720" y="1652040"/>
+              <a:ext cx="9360" cy="27000"/>
             </p14:xfrm>
           </p:contentPart>
         </mc:Choice>
-        <mc:Fallback>
+        <mc:Fallback xmlns="">
           <p:pic>
             <p:nvPicPr>
               <p:cNvPr id="2" name="Ink 1">
@@ -16039,57 +15655,6 @@
           </a:p>
         </p:txBody>
       </p:sp>
-      <mc:AlternateContent xmlns:mc="http://schemas.openxmlformats.org/markup-compatibility/2006">
-        <mc:Choice xmlns:p14="http://schemas.microsoft.com/office/powerpoint/2010/main" Requires="p14">
-          <p:contentPart p14:bwMode="auto" r:id="rId2">
-            <p14:nvContentPartPr>
-              <p14:cNvPr id="2" name="Ink 1">
-                <a:extLst>
-                  <a:ext uri="{FF2B5EF4-FFF2-40B4-BE49-F238E27FC236}">
-                    <a16:creationId xmlns:a16="http://schemas.microsoft.com/office/drawing/2014/main" id="{C4E954BA-C9C0-4751-A839-AA5A8C543304}"/>
-                  </a:ext>
-                </a:extLst>
-              </p14:cNvPr>
-              <p14:cNvContentPartPr/>
-              <p14:nvPr/>
-            </p14:nvContentPartPr>
-            <p14:xfrm>
-              <a:off x="142920" y="1357200"/>
-              <a:ext cx="11242800" cy="5215320"/>
-            </p14:xfrm>
-          </p:contentPart>
-        </mc:Choice>
-        <mc:Fallback>
-          <p:pic>
-            <p:nvPicPr>
-              <p:cNvPr id="2" name="Ink 1">
-                <a:extLst>
-                  <a:ext uri="{FF2B5EF4-FFF2-40B4-BE49-F238E27FC236}">
-                    <a16:creationId xmlns:a16="http://schemas.microsoft.com/office/drawing/2014/main" id="{C4E954BA-C9C0-4751-A839-AA5A8C543304}"/>
-                  </a:ext>
-                </a:extLst>
-              </p:cNvPr>
-              <p:cNvPicPr/>
-              <p:nvPr/>
-            </p:nvPicPr>
-            <p:blipFill>
-              <a:blip r:embed="rId3"/>
-              <a:stretch>
-                <a:fillRect/>
-              </a:stretch>
-            </p:blipFill>
-            <p:spPr>
-              <a:xfrm>
-                <a:off x="133560" y="1347840"/>
-                <a:ext cx="11261520" cy="5234040"/>
-              </a:xfrm>
-              <a:prstGeom prst="rect">
-                <a:avLst/>
-              </a:prstGeom>
-            </p:spPr>
-          </p:pic>
-        </mc:Fallback>
-      </mc:AlternateContent>
     </p:spTree>
     <p:extLst>
       <p:ext uri="{BB962C8B-B14F-4D97-AF65-F5344CB8AC3E}">
@@ -17201,7 +16766,7 @@
                 <a:effectLst/>
                 <a:latin typeface="Consolas" panose="020B0609020204030204" pitchFamily="49" charset="0"/>
               </a:rPr>
-              <a:t>age = </a:t>
+              <a:t>age = ”</a:t>
             </a:r>
             <a:r>
               <a:rPr lang="en-US" b="0" i="0" dirty="0">
@@ -17211,7 +16776,7 @@
                 <a:effectLst/>
                 <a:latin typeface="Consolas" panose="020B0609020204030204" pitchFamily="49" charset="0"/>
               </a:rPr>
-              <a:t>36</a:t>
+              <a:t>36”</a:t>
             </a:r>
             <a:br>
               <a:rPr lang="en-US" dirty="0"/>
@@ -17783,57 +17348,6 @@
           </a:p>
         </p:txBody>
       </p:sp>
-      <mc:AlternateContent xmlns:mc="http://schemas.openxmlformats.org/markup-compatibility/2006">
-        <mc:Choice xmlns:p14="http://schemas.microsoft.com/office/powerpoint/2010/main" Requires="p14">
-          <p:contentPart p14:bwMode="auto" r:id="rId2">
-            <p14:nvContentPartPr>
-              <p14:cNvPr id="2" name="Ink 1">
-                <a:extLst>
-                  <a:ext uri="{FF2B5EF4-FFF2-40B4-BE49-F238E27FC236}">
-                    <a16:creationId xmlns:a16="http://schemas.microsoft.com/office/drawing/2014/main" id="{0D7DDFFA-BC27-47F2-86BA-3E7A0566B750}"/>
-                  </a:ext>
-                </a:extLst>
-              </p14:cNvPr>
-              <p14:cNvContentPartPr/>
-              <p14:nvPr/>
-            </p14:nvContentPartPr>
-            <p14:xfrm>
-              <a:off x="1321560" y="1830600"/>
-              <a:ext cx="563040" cy="134280"/>
-            </p14:xfrm>
-          </p:contentPart>
-        </mc:Choice>
-        <mc:Fallback>
-          <p:pic>
-            <p:nvPicPr>
-              <p:cNvPr id="2" name="Ink 1">
-                <a:extLst>
-                  <a:ext uri="{FF2B5EF4-FFF2-40B4-BE49-F238E27FC236}">
-                    <a16:creationId xmlns:a16="http://schemas.microsoft.com/office/drawing/2014/main" id="{0D7DDFFA-BC27-47F2-86BA-3E7A0566B750}"/>
-                  </a:ext>
-                </a:extLst>
-              </p:cNvPr>
-              <p:cNvPicPr/>
-              <p:nvPr/>
-            </p:nvPicPr>
-            <p:blipFill>
-              <a:blip r:embed="rId3"/>
-              <a:stretch>
-                <a:fillRect/>
-              </a:stretch>
-            </p:blipFill>
-            <p:spPr>
-              <a:xfrm>
-                <a:off x="1312200" y="1821240"/>
-                <a:ext cx="581760" cy="153000"/>
-              </a:xfrm>
-              <a:prstGeom prst="rect">
-                <a:avLst/>
-              </a:prstGeom>
-            </p:spPr>
-          </p:pic>
-        </mc:Fallback>
-      </mc:AlternateContent>
     </p:spTree>
     <p:extLst>
       <p:ext uri="{BB962C8B-B14F-4D97-AF65-F5344CB8AC3E}">
@@ -19454,13 +18968,13 @@
         </p:spPr>
         <p:txBody>
           <a:bodyPr>
-            <a:normAutofit fontScale="92500"/>
+            <a:normAutofit lnSpcReduction="10000"/>
           </a:bodyPr>
           <a:lstStyle/>
           <a:p>
             <a:r>
               <a:rPr lang="en-US" sz="4400" dirty="0"/>
-              <a:t> Basic print program from yesterday (including input) </a:t>
+              <a:t> Basic print program (including input) </a:t>
             </a:r>
           </a:p>
           <a:p>
@@ -24556,8 +24070,8 @@
           </a:p>
         </p:txBody>
       </p:sp>
-      <mc:AlternateContent xmlns:mc="http://schemas.openxmlformats.org/markup-compatibility/2006">
-        <mc:Choice xmlns:p14="http://schemas.microsoft.com/office/powerpoint/2010/main" Requires="p14">
+      <mc:AlternateContent xmlns:mc="http://schemas.openxmlformats.org/markup-compatibility/2006" xmlns:p14="http://schemas.microsoft.com/office/powerpoint/2010/main">
+        <mc:Choice Requires="p14">
           <p:contentPart p14:bwMode="auto" r:id="rId2">
             <p14:nvContentPartPr>
               <p14:cNvPr id="5" name="Ink 4">
@@ -24576,7 +24090,7 @@
             </p14:xfrm>
           </p:contentPart>
         </mc:Choice>
-        <mc:Fallback>
+        <mc:Fallback xmlns="">
           <p:pic>
             <p:nvPicPr>
               <p:cNvPr id="5" name="Ink 4">
@@ -25519,57 +25033,6 @@
           </a:p>
         </p:txBody>
       </p:sp>
-      <mc:AlternateContent xmlns:mc="http://schemas.openxmlformats.org/markup-compatibility/2006">
-        <mc:Choice xmlns:p14="http://schemas.microsoft.com/office/powerpoint/2010/main" Requires="p14">
-          <p:contentPart p14:bwMode="auto" r:id="rId2">
-            <p14:nvContentPartPr>
-              <p14:cNvPr id="3" name="Ink 2">
-                <a:extLst>
-                  <a:ext uri="{FF2B5EF4-FFF2-40B4-BE49-F238E27FC236}">
-                    <a16:creationId xmlns:a16="http://schemas.microsoft.com/office/drawing/2014/main" id="{3AF86FDC-A1CC-49CC-B536-616B3B52182A}"/>
-                  </a:ext>
-                </a:extLst>
-              </p14:cNvPr>
-              <p14:cNvContentPartPr/>
-              <p14:nvPr/>
-            </p14:nvContentPartPr>
-            <p14:xfrm>
-              <a:off x="1598400" y="3116520"/>
-              <a:ext cx="4884840" cy="2938320"/>
-            </p14:xfrm>
-          </p:contentPart>
-        </mc:Choice>
-        <mc:Fallback>
-          <p:pic>
-            <p:nvPicPr>
-              <p:cNvPr id="3" name="Ink 2">
-                <a:extLst>
-                  <a:ext uri="{FF2B5EF4-FFF2-40B4-BE49-F238E27FC236}">
-                    <a16:creationId xmlns:a16="http://schemas.microsoft.com/office/drawing/2014/main" id="{3AF86FDC-A1CC-49CC-B536-616B3B52182A}"/>
-                  </a:ext>
-                </a:extLst>
-              </p:cNvPr>
-              <p:cNvPicPr/>
-              <p:nvPr/>
-            </p:nvPicPr>
-            <p:blipFill>
-              <a:blip r:embed="rId3"/>
-              <a:stretch>
-                <a:fillRect/>
-              </a:stretch>
-            </p:blipFill>
-            <p:spPr>
-              <a:xfrm>
-                <a:off x="1589040" y="3107160"/>
-                <a:ext cx="4903560" cy="2957040"/>
-              </a:xfrm>
-              <a:prstGeom prst="rect">
-                <a:avLst/>
-              </a:prstGeom>
-            </p:spPr>
-          </p:pic>
-        </mc:Fallback>
-      </mc:AlternateContent>
     </p:spTree>
     <p:extLst>
       <p:ext uri="{BB962C8B-B14F-4D97-AF65-F5344CB8AC3E}">
